--- a/doc/D2_presentation.pptx
+++ b/doc/D2_presentation.pptx
@@ -13,6 +13,9 @@
     <p:sldId id="258" r:id="rId7"/>
     <p:sldId id="259" r:id="rId8"/>
     <p:sldId id="260" r:id="rId9"/>
+    <p:sldId id="261" r:id="rId10"/>
+    <p:sldId id="262" r:id="rId11"/>
+    <p:sldId id="263" r:id="rId12"/>
   </p:sldIdLst>
   <p:sldSz cy="5143500" cx="9144000"/>
   <p:notesSz cx="6858000" cy="9144000"/>
@@ -970,7 +973,7 @@
   <p:cSld>
     <p:spTree>
       <p:nvGrpSpPr>
-        <p:cNvPr id="69" name="Shape 69"/>
+        <p:cNvPr id="68" name="Shape 68"/>
         <p:cNvGrpSpPr/>
         <p:nvPr/>
       </p:nvGrpSpPr>
@@ -984,7 +987,7 @@
       </p:grpSpPr>
       <p:sp>
         <p:nvSpPr>
-          <p:cNvPr id="70" name="Shape 70"/>
+          <p:cNvPr id="69" name="Shape 69"/>
           <p:cNvSpPr/>
           <p:nvPr>
             <p:ph idx="2" type="sldImg"/>
@@ -1018,7 +1021,7 @@
       </p:sp>
       <p:sp>
         <p:nvSpPr>
-          <p:cNvPr id="71" name="Shape 71"/>
+          <p:cNvPr id="70" name="Shape 70"/>
           <p:cNvSpPr txBox="1"/>
           <p:nvPr>
             <p:ph idx="1" type="body"/>
@@ -1049,7 +1052,24 @@
               <a:buNone/>
             </a:pPr>
             <a:r>
-              <a:t/>
+              <a:rPr lang="en"/>
+              <a:t>-mention multiple thresholds </a:t>
+            </a:r>
+            <a:endParaRPr/>
+          </a:p>
+          <a:p>
+            <a:pPr indent="0" lvl="0" marL="0">
+              <a:spcBef>
+                <a:spcPts val="0"/>
+              </a:spcBef>
+              <a:spcAft>
+                <a:spcPts val="0"/>
+              </a:spcAft>
+              <a:buNone/>
+            </a:pPr>
+            <a:r>
+              <a:rPr lang="en"/>
+              <a:t>In this system, information is ordered according to the LexRank score; that is, of all sentences in a given group of documents, the sentence with the highest LexRank score is appended to our summary, until our summary cannot accept the next highest sentence without exceeding the required word length.</a:t>
             </a:r>
             <a:endParaRPr/>
           </a:p>
@@ -1068,7 +1088,7 @@
   <p:cSld>
     <p:spTree>
       <p:nvGrpSpPr>
-        <p:cNvPr id="76" name="Shape 76"/>
+        <p:cNvPr id="88" name="Shape 88"/>
         <p:cNvGrpSpPr/>
         <p:nvPr/>
       </p:nvGrpSpPr>
@@ -1082,7 +1102,7 @@
       </p:grpSpPr>
       <p:sp>
         <p:nvSpPr>
-          <p:cNvPr id="77" name="Shape 77"/>
+          <p:cNvPr id="89" name="Shape 89"/>
           <p:cNvSpPr/>
           <p:nvPr>
             <p:ph idx="2" type="sldImg"/>
@@ -1116,7 +1136,301 @@
       </p:sp>
       <p:sp>
         <p:nvSpPr>
-          <p:cNvPr id="78" name="Shape 78"/>
+          <p:cNvPr id="90" name="Shape 90"/>
+          <p:cNvSpPr txBox="1"/>
+          <p:nvPr>
+            <p:ph idx="1" type="body"/>
+          </p:nvPr>
+        </p:nvSpPr>
+        <p:spPr>
+          <a:xfrm>
+            <a:off x="685800" y="4343400"/>
+            <a:ext cx="5486400" cy="4114800"/>
+          </a:xfrm>
+          <a:prstGeom prst="rect">
+            <a:avLst/>
+          </a:prstGeom>
+        </p:spPr>
+        <p:txBody>
+          <a:bodyPr anchorCtr="0" anchor="t" bIns="91425" lIns="91425" spcFirstLastPara="1" rIns="91425" wrap="square" tIns="91425">
+            <a:noAutofit/>
+          </a:bodyPr>
+          <a:lstStyle/>
+          <a:p>
+            <a:pPr indent="0" lvl="0" marL="0">
+              <a:spcBef>
+                <a:spcPts val="0"/>
+              </a:spcBef>
+              <a:spcAft>
+                <a:spcPts val="0"/>
+              </a:spcAft>
+              <a:buNone/>
+            </a:pPr>
+            <a:r>
+              <a:t/>
+            </a:r>
+            <a:endParaRPr/>
+          </a:p>
+        </p:txBody>
+      </p:sp>
+    </p:spTree>
+  </p:cSld>
+  <p:clrMapOvr>
+    <a:masterClrMapping/>
+  </p:clrMapOvr>
+</p:notes>
+</file>
+
+<file path=ppt/notesSlides/notesSlide6.xml><?xml version="1.0" encoding="utf-8"?>
+<p:notes xmlns:a="http://schemas.openxmlformats.org/drawingml/2006/main" xmlns:r="http://schemas.openxmlformats.org/officeDocument/2006/relationships" xmlns:mc="http://schemas.openxmlformats.org/markup-compatibility/2006" xmlns:mv="urn:schemas-microsoft-com:mac:vml" xmlns:p="http://schemas.openxmlformats.org/presentationml/2006/main" xmlns:c="http://schemas.openxmlformats.org/drawingml/2006/chart" xmlns:dgm="http://schemas.openxmlformats.org/drawingml/2006/diagram" xmlns:o="urn:schemas-microsoft-com:office:office" xmlns:v="urn:schemas-microsoft-com:vml" xmlns:pvml="urn:schemas-microsoft-com:office:powerpoint" xmlns:com="http://schemas.openxmlformats.org/drawingml/2006/compatibility" xmlns:p14="http://schemas.microsoft.com/office/powerpoint/2010/main" xmlns:p15="http://schemas.microsoft.com/office/powerpoint/2012/main" showMasterPhAnim="0" showMasterSp="0">
+  <p:cSld>
+    <p:spTree>
+      <p:nvGrpSpPr>
+        <p:cNvPr id="95" name="Shape 95"/>
+        <p:cNvGrpSpPr/>
+        <p:nvPr/>
+      </p:nvGrpSpPr>
+      <p:grpSpPr>
+        <a:xfrm>
+          <a:off x="0" y="0"/>
+          <a:ext cx="0" cy="0"/>
+          <a:chOff x="0" y="0"/>
+          <a:chExt cx="0" cy="0"/>
+        </a:xfrm>
+      </p:grpSpPr>
+      <p:sp>
+        <p:nvSpPr>
+          <p:cNvPr id="96" name="Shape 96"/>
+          <p:cNvSpPr/>
+          <p:nvPr>
+            <p:ph idx="2" type="sldImg"/>
+          </p:nvPr>
+        </p:nvSpPr>
+        <p:spPr>
+          <a:xfrm>
+            <a:off x="381300" y="685800"/>
+            <a:ext cx="6096000" cy="3429000"/>
+          </a:xfrm>
+          <a:custGeom>
+            <a:pathLst>
+              <a:path extrusionOk="0" h="120000" w="120000">
+                <a:moveTo>
+                  <a:pt x="0" y="0"/>
+                </a:moveTo>
+                <a:lnTo>
+                  <a:pt x="120000" y="0"/>
+                </a:lnTo>
+                <a:lnTo>
+                  <a:pt x="120000" y="120000"/>
+                </a:lnTo>
+                <a:lnTo>
+                  <a:pt x="0" y="120000"/>
+                </a:lnTo>
+                <a:close/>
+              </a:path>
+            </a:pathLst>
+          </a:custGeom>
+        </p:spPr>
+      </p:sp>
+      <p:sp>
+        <p:nvSpPr>
+          <p:cNvPr id="97" name="Shape 97"/>
+          <p:cNvSpPr txBox="1"/>
+          <p:nvPr>
+            <p:ph idx="1" type="body"/>
+          </p:nvPr>
+        </p:nvSpPr>
+        <p:spPr>
+          <a:xfrm>
+            <a:off x="685800" y="4343400"/>
+            <a:ext cx="5486400" cy="4114800"/>
+          </a:xfrm>
+          <a:prstGeom prst="rect">
+            <a:avLst/>
+          </a:prstGeom>
+        </p:spPr>
+        <p:txBody>
+          <a:bodyPr anchorCtr="0" anchor="t" bIns="91425" lIns="91425" spcFirstLastPara="1" rIns="91425" wrap="square" tIns="91425">
+            <a:noAutofit/>
+          </a:bodyPr>
+          <a:lstStyle/>
+          <a:p>
+            <a:pPr indent="0" lvl="0" marL="0">
+              <a:spcBef>
+                <a:spcPts val="0"/>
+              </a:spcBef>
+              <a:spcAft>
+                <a:spcPts val="0"/>
+              </a:spcAft>
+              <a:buNone/>
+            </a:pPr>
+            <a:r>
+              <a:t/>
+            </a:r>
+            <a:endParaRPr/>
+          </a:p>
+        </p:txBody>
+      </p:sp>
+    </p:spTree>
+  </p:cSld>
+  <p:clrMapOvr>
+    <a:masterClrMapping/>
+  </p:clrMapOvr>
+</p:notes>
+</file>
+
+<file path=ppt/notesSlides/notesSlide7.xml><?xml version="1.0" encoding="utf-8"?>
+<p:notes xmlns:a="http://schemas.openxmlformats.org/drawingml/2006/main" xmlns:r="http://schemas.openxmlformats.org/officeDocument/2006/relationships" xmlns:mc="http://schemas.openxmlformats.org/markup-compatibility/2006" xmlns:mv="urn:schemas-microsoft-com:mac:vml" xmlns:p="http://schemas.openxmlformats.org/presentationml/2006/main" xmlns:c="http://schemas.openxmlformats.org/drawingml/2006/chart" xmlns:dgm="http://schemas.openxmlformats.org/drawingml/2006/diagram" xmlns:o="urn:schemas-microsoft-com:office:office" xmlns:v="urn:schemas-microsoft-com:vml" xmlns:pvml="urn:schemas-microsoft-com:office:powerpoint" xmlns:com="http://schemas.openxmlformats.org/drawingml/2006/compatibility" xmlns:p14="http://schemas.microsoft.com/office/powerpoint/2010/main" xmlns:p15="http://schemas.microsoft.com/office/powerpoint/2012/main" showMasterPhAnim="0" showMasterSp="0">
+  <p:cSld>
+    <p:spTree>
+      <p:nvGrpSpPr>
+        <p:cNvPr id="101" name="Shape 101"/>
+        <p:cNvGrpSpPr/>
+        <p:nvPr/>
+      </p:nvGrpSpPr>
+      <p:grpSpPr>
+        <a:xfrm>
+          <a:off x="0" y="0"/>
+          <a:ext cx="0" cy="0"/>
+          <a:chOff x="0" y="0"/>
+          <a:chExt cx="0" cy="0"/>
+        </a:xfrm>
+      </p:grpSpPr>
+      <p:sp>
+        <p:nvSpPr>
+          <p:cNvPr id="102" name="Shape 102"/>
+          <p:cNvSpPr/>
+          <p:nvPr>
+            <p:ph idx="2" type="sldImg"/>
+          </p:nvPr>
+        </p:nvSpPr>
+        <p:spPr>
+          <a:xfrm>
+            <a:off x="381300" y="685800"/>
+            <a:ext cx="6096000" cy="3429000"/>
+          </a:xfrm>
+          <a:custGeom>
+            <a:pathLst>
+              <a:path extrusionOk="0" h="120000" w="120000">
+                <a:moveTo>
+                  <a:pt x="0" y="0"/>
+                </a:moveTo>
+                <a:lnTo>
+                  <a:pt x="120000" y="0"/>
+                </a:lnTo>
+                <a:lnTo>
+                  <a:pt x="120000" y="120000"/>
+                </a:lnTo>
+                <a:lnTo>
+                  <a:pt x="0" y="120000"/>
+                </a:lnTo>
+                <a:close/>
+              </a:path>
+            </a:pathLst>
+          </a:custGeom>
+        </p:spPr>
+      </p:sp>
+      <p:sp>
+        <p:nvSpPr>
+          <p:cNvPr id="103" name="Shape 103"/>
+          <p:cNvSpPr txBox="1"/>
+          <p:nvPr>
+            <p:ph idx="1" type="body"/>
+          </p:nvPr>
+        </p:nvSpPr>
+        <p:spPr>
+          <a:xfrm>
+            <a:off x="685800" y="4343400"/>
+            <a:ext cx="5486400" cy="4114800"/>
+          </a:xfrm>
+          <a:prstGeom prst="rect">
+            <a:avLst/>
+          </a:prstGeom>
+        </p:spPr>
+        <p:txBody>
+          <a:bodyPr anchorCtr="0" anchor="t" bIns="91425" lIns="91425" spcFirstLastPara="1" rIns="91425" wrap="square" tIns="91425">
+            <a:noAutofit/>
+          </a:bodyPr>
+          <a:lstStyle/>
+          <a:p>
+            <a:pPr indent="0" lvl="0" marL="0">
+              <a:spcBef>
+                <a:spcPts val="0"/>
+              </a:spcBef>
+              <a:spcAft>
+                <a:spcPts val="0"/>
+              </a:spcAft>
+              <a:buNone/>
+            </a:pPr>
+            <a:r>
+              <a:t/>
+            </a:r>
+            <a:endParaRPr/>
+          </a:p>
+        </p:txBody>
+      </p:sp>
+    </p:spTree>
+  </p:cSld>
+  <p:clrMapOvr>
+    <a:masterClrMapping/>
+  </p:clrMapOvr>
+</p:notes>
+</file>
+
+<file path=ppt/notesSlides/notesSlide8.xml><?xml version="1.0" encoding="utf-8"?>
+<p:notes xmlns:a="http://schemas.openxmlformats.org/drawingml/2006/main" xmlns:r="http://schemas.openxmlformats.org/officeDocument/2006/relationships" xmlns:mc="http://schemas.openxmlformats.org/markup-compatibility/2006" xmlns:mv="urn:schemas-microsoft-com:mac:vml" xmlns:p="http://schemas.openxmlformats.org/presentationml/2006/main" xmlns:c="http://schemas.openxmlformats.org/drawingml/2006/chart" xmlns:dgm="http://schemas.openxmlformats.org/drawingml/2006/diagram" xmlns:o="urn:schemas-microsoft-com:office:office" xmlns:v="urn:schemas-microsoft-com:vml" xmlns:pvml="urn:schemas-microsoft-com:office:powerpoint" xmlns:com="http://schemas.openxmlformats.org/drawingml/2006/compatibility" xmlns:p14="http://schemas.microsoft.com/office/powerpoint/2010/main" xmlns:p15="http://schemas.microsoft.com/office/powerpoint/2012/main" showMasterPhAnim="0" showMasterSp="0">
+  <p:cSld>
+    <p:spTree>
+      <p:nvGrpSpPr>
+        <p:cNvPr id="107" name="Shape 107"/>
+        <p:cNvGrpSpPr/>
+        <p:nvPr/>
+      </p:nvGrpSpPr>
+      <p:grpSpPr>
+        <a:xfrm>
+          <a:off x="0" y="0"/>
+          <a:ext cx="0" cy="0"/>
+          <a:chOff x="0" y="0"/>
+          <a:chExt cx="0" cy="0"/>
+        </a:xfrm>
+      </p:grpSpPr>
+      <p:sp>
+        <p:nvSpPr>
+          <p:cNvPr id="108" name="Shape 108"/>
+          <p:cNvSpPr/>
+          <p:nvPr>
+            <p:ph idx="2" type="sldImg"/>
+          </p:nvPr>
+        </p:nvSpPr>
+        <p:spPr>
+          <a:xfrm>
+            <a:off x="381300" y="685800"/>
+            <a:ext cx="6096000" cy="3429000"/>
+          </a:xfrm>
+          <a:custGeom>
+            <a:pathLst>
+              <a:path extrusionOk="0" h="120000" w="120000">
+                <a:moveTo>
+                  <a:pt x="0" y="0"/>
+                </a:moveTo>
+                <a:lnTo>
+                  <a:pt x="120000" y="0"/>
+                </a:lnTo>
+                <a:lnTo>
+                  <a:pt x="120000" y="120000"/>
+                </a:lnTo>
+                <a:lnTo>
+                  <a:pt x="0" y="120000"/>
+                </a:lnTo>
+                <a:close/>
+              </a:path>
+            </a:pathLst>
+          </a:custGeom>
+        </p:spPr>
+      </p:sp>
+      <p:sp>
+        <p:nvSpPr>
+          <p:cNvPr id="109" name="Shape 109"/>
           <p:cNvSpPr txBox="1"/>
           <p:nvPr>
             <p:ph idx="1" type="body"/>
@@ -5978,7 +6292,7 @@
           </a:bodyPr>
           <a:lstStyle/>
           <a:p>
-            <a:pPr indent="0" lvl="0" marL="0">
+            <a:pPr indent="0" lvl="0" marL="0" rtl="0">
               <a:spcBef>
                 <a:spcPts val="0"/>
               </a:spcBef>
@@ -5989,7 +6303,7 @@
             </a:pPr>
             <a:r>
               <a:rPr lang="en"/>
-              <a:t>Intro</a:t>
+              <a:t>Related Readings</a:t>
             </a:r>
             <a:endParaRPr/>
           </a:p>
@@ -6006,7 +6320,7 @@
         <p:spPr>
           <a:xfrm>
             <a:off x="311700" y="1152475"/>
-            <a:ext cx="8520600" cy="3416400"/>
+            <a:ext cx="8685000" cy="3416400"/>
           </a:xfrm>
           <a:prstGeom prst="rect">
             <a:avLst/>
@@ -6028,10 +6342,18 @@
               <a:buNone/>
             </a:pPr>
             <a:r>
-              <a:rPr lang="en"/>
-              <a:t>What’s this presentation about? Use this slide to introduce yourself and give a high level overview of the topic you’re about to explain.</a:t>
+              <a:rPr lang="en" sz="1600">
+                <a:solidFill>
+                  <a:srgbClr val="FFFFFF"/>
+                </a:solidFill>
+              </a:rPr>
+              <a:t>Erkan, G. and Radev, D. (2004). Lexrank: graph-based lexical centrality as salience in text summarization.</a:t>
             </a:r>
-            <a:endParaRPr/>
+            <a:endParaRPr sz="1600">
+              <a:solidFill>
+                <a:srgbClr val="FFFFFF"/>
+              </a:solidFill>
+            </a:endParaRPr>
           </a:p>
           <a:p>
             <a:pPr indent="0" lvl="0" marL="0">
@@ -6046,7 +6368,11 @@
             <a:r>
               <a:t/>
             </a:r>
-            <a:endParaRPr/>
+            <a:endParaRPr sz="1600">
+              <a:solidFill>
+                <a:srgbClr val="FFFFFF"/>
+              </a:solidFill>
+            </a:endParaRPr>
           </a:p>
           <a:p>
             <a:pPr indent="0" lvl="0" marL="0">
@@ -6054,15 +6380,158 @@
                 <a:spcPts val="1600"/>
               </a:spcBef>
               <a:spcAft>
-                <a:spcPts val="1600"/>
+                <a:spcPts val="0"/>
               </a:spcAft>
               <a:buNone/>
             </a:pPr>
             <a:r>
-              <a:rPr lang="en"/>
-              <a:t>Related Reading which influenced your approach:</a:t>
+              <a:rPr lang="en" sz="1600">
+                <a:solidFill>
+                  <a:srgbClr val="FFFFFF"/>
+                </a:solidFill>
+              </a:rPr>
+              <a:t>Open-source LexRank Implementations:</a:t>
             </a:r>
-            <a:endParaRPr/>
+            <a:endParaRPr sz="1600">
+              <a:solidFill>
+                <a:srgbClr val="FFFFFF"/>
+              </a:solidFill>
+            </a:endParaRPr>
+          </a:p>
+          <a:p>
+            <a:pPr indent="-317500" lvl="0" marL="914400" rtl="0">
+              <a:spcBef>
+                <a:spcPts val="1600"/>
+              </a:spcBef>
+              <a:spcAft>
+                <a:spcPts val="0"/>
+              </a:spcAft>
+              <a:buClr>
+                <a:srgbClr val="FFFFFF"/>
+              </a:buClr>
+              <a:buSzPts val="1400"/>
+              <a:buChar char="●"/>
+            </a:pPr>
+            <a:r>
+              <a:rPr b="1" lang="en" sz="1400" u="sng">
+                <a:solidFill>
+                  <a:srgbClr val="FFFFFF"/>
+                </a:solidFill>
+                <a:hlinkClick r:id="rId3"/>
+              </a:rPr>
+              <a:t>http://dataexperiments.net/2015/01/31/using-lexrank-to-summarize-textusing-sumy-py/</a:t>
+            </a:r>
+            <a:endParaRPr b="1" sz="1400">
+              <a:solidFill>
+                <a:srgbClr val="FFFFFF"/>
+              </a:solidFill>
+            </a:endParaRPr>
+          </a:p>
+          <a:p>
+            <a:pPr indent="-317500" lvl="0" marL="914400" rtl="0">
+              <a:spcBef>
+                <a:spcPts val="0"/>
+              </a:spcBef>
+              <a:spcAft>
+                <a:spcPts val="0"/>
+              </a:spcAft>
+              <a:buClr>
+                <a:srgbClr val="FFFFFF"/>
+              </a:buClr>
+              <a:buSzPts val="1400"/>
+              <a:buChar char="●"/>
+            </a:pPr>
+            <a:r>
+              <a:rPr b="1" lang="en" sz="1400" u="sng">
+                <a:solidFill>
+                  <a:srgbClr val="FFFFFF"/>
+                </a:solidFill>
+                <a:hlinkClick r:id="rId4"/>
+              </a:rPr>
+              <a:t>https://github.com/wikibusiness/lexrank</a:t>
+            </a:r>
+            <a:endParaRPr b="1" sz="1400">
+              <a:solidFill>
+                <a:srgbClr val="FFFFFF"/>
+              </a:solidFill>
+            </a:endParaRPr>
+          </a:p>
+          <a:p>
+            <a:pPr indent="-317500" lvl="0" marL="914400" rtl="0">
+              <a:spcBef>
+                <a:spcPts val="0"/>
+              </a:spcBef>
+              <a:spcAft>
+                <a:spcPts val="0"/>
+              </a:spcAft>
+              <a:buClr>
+                <a:srgbClr val="FFFFFF"/>
+              </a:buClr>
+              <a:buSzPts val="1400"/>
+              <a:buChar char="●"/>
+            </a:pPr>
+            <a:r>
+              <a:rPr b="1" lang="en" sz="1400" u="sng">
+                <a:solidFill>
+                  <a:srgbClr val="FFFFFF"/>
+                </a:solidFill>
+                <a:hlinkClick r:id="rId5"/>
+              </a:rPr>
+              <a:t>https://pythonhosted.org/textgraphics/_modules/TextGraphics/Applications/summary.html</a:t>
+            </a:r>
+            <a:endParaRPr b="1" sz="1400">
+              <a:solidFill>
+                <a:srgbClr val="FFFFFF"/>
+              </a:solidFill>
+            </a:endParaRPr>
+          </a:p>
+          <a:p>
+            <a:pPr indent="-317500" lvl="0" marL="914400" rtl="0">
+              <a:spcBef>
+                <a:spcPts val="0"/>
+              </a:spcBef>
+              <a:spcAft>
+                <a:spcPts val="0"/>
+              </a:spcAft>
+              <a:buClr>
+                <a:srgbClr val="FFFFFF"/>
+              </a:buClr>
+              <a:buSzPts val="1400"/>
+              <a:buChar char="●"/>
+            </a:pPr>
+            <a:r>
+              <a:rPr b="1" lang="en" sz="1400" u="sng">
+                <a:solidFill>
+                  <a:srgbClr val="FFFFFF"/>
+                </a:solidFill>
+                <a:hlinkClick r:id="rId6"/>
+              </a:rPr>
+              <a:t>https://github.com/jtan25/LexRank</a:t>
+            </a:r>
+            <a:endParaRPr sz="1400">
+              <a:solidFill>
+                <a:srgbClr val="FFFFFF"/>
+              </a:solidFill>
+            </a:endParaRPr>
+          </a:p>
+          <a:p>
+            <a:pPr indent="0" lvl="0" marL="0">
+              <a:spcBef>
+                <a:spcPts val="0"/>
+              </a:spcBef>
+              <a:spcAft>
+                <a:spcPts val="1600"/>
+              </a:spcAft>
+              <a:buNone/>
+            </a:pPr>
+            <a:r>
+              <a:t/>
+            </a:r>
+            <a:endParaRPr sz="1600">
+              <a:solidFill>
+                <a:srgbClr val="FFFFFF"/>
+              </a:solidFill>
+            </a:endParaRPr>
           </a:p>
         </p:txBody>
       </p:sp>
@@ -6077,6 +6546,13 @@
 <file path=ppt/slides/slide3.xml><?xml version="1.0" encoding="utf-8"?>
 <p:sld xmlns:a="http://schemas.openxmlformats.org/drawingml/2006/main" xmlns:r="http://schemas.openxmlformats.org/officeDocument/2006/relationships" xmlns:mc="http://schemas.openxmlformats.org/markup-compatibility/2006" xmlns:mv="urn:schemas-microsoft-com:mac:vml" xmlns:p="http://schemas.openxmlformats.org/presentationml/2006/main" xmlns:c="http://schemas.openxmlformats.org/drawingml/2006/chart" xmlns:dgm="http://schemas.openxmlformats.org/drawingml/2006/diagram" xmlns:o="urn:schemas-microsoft-com:office:office" xmlns:v="urn:schemas-microsoft-com:vml" xmlns:pvml="urn:schemas-microsoft-com:office:powerpoint" xmlns:com="http://schemas.openxmlformats.org/drawingml/2006/compatibility" xmlns:p14="http://schemas.microsoft.com/office/powerpoint/2010/main" xmlns:p15="http://schemas.microsoft.com/office/powerpoint/2012/main">
   <p:cSld>
+    <p:bg>
+      <p:bgPr>
+        <a:solidFill>
+          <a:srgbClr val="000000"/>
+        </a:solidFill>
+      </p:bgPr>
+    </p:bg>
     <p:spTree>
       <p:nvGrpSpPr>
         <p:cNvPr id="65" name="Shape 65"/>
@@ -6131,9 +6607,102 @@
           </a:p>
         </p:txBody>
       </p:sp>
+      <p:pic>
+        <p:nvPicPr>
+          <p:cNvPr id="67" name="Shape 67"/>
+          <p:cNvPicPr preferRelativeResize="0"/>
+          <p:nvPr/>
+        </p:nvPicPr>
+        <p:blipFill>
+          <a:blip r:embed="rId3">
+            <a:alphaModFix/>
+          </a:blip>
+          <a:stretch>
+            <a:fillRect/>
+          </a:stretch>
+        </p:blipFill>
+        <p:spPr>
+          <a:xfrm>
+            <a:off x="1040775" y="1064300"/>
+            <a:ext cx="6550251" cy="3888275"/>
+          </a:xfrm>
+          <a:prstGeom prst="rect">
+            <a:avLst/>
+          </a:prstGeom>
+          <a:noFill/>
+          <a:ln>
+            <a:noFill/>
+          </a:ln>
+        </p:spPr>
+      </p:pic>
+    </p:spTree>
+  </p:cSld>
+  <p:clrMapOvr>
+    <a:masterClrMapping/>
+  </p:clrMapOvr>
+</p:sld>
+</file>
+
+<file path=ppt/slides/slide4.xml><?xml version="1.0" encoding="utf-8"?>
+<p:sld xmlns:a="http://schemas.openxmlformats.org/drawingml/2006/main" xmlns:r="http://schemas.openxmlformats.org/officeDocument/2006/relationships" xmlns:mc="http://schemas.openxmlformats.org/markup-compatibility/2006" xmlns:mv="urn:schemas-microsoft-com:mac:vml" xmlns:p="http://schemas.openxmlformats.org/presentationml/2006/main" xmlns:c="http://schemas.openxmlformats.org/drawingml/2006/chart" xmlns:dgm="http://schemas.openxmlformats.org/drawingml/2006/diagram" xmlns:o="urn:schemas-microsoft-com:office:office" xmlns:v="urn:schemas-microsoft-com:vml" xmlns:pvml="urn:schemas-microsoft-com:office:powerpoint" xmlns:com="http://schemas.openxmlformats.org/drawingml/2006/compatibility" xmlns:p14="http://schemas.microsoft.com/office/powerpoint/2010/main" xmlns:p15="http://schemas.microsoft.com/office/powerpoint/2012/main">
+  <p:cSld>
+    <p:spTree>
+      <p:nvGrpSpPr>
+        <p:cNvPr id="71" name="Shape 71"/>
+        <p:cNvGrpSpPr/>
+        <p:nvPr/>
+      </p:nvGrpSpPr>
+      <p:grpSpPr>
+        <a:xfrm>
+          <a:off x="0" y="0"/>
+          <a:ext cx="0" cy="0"/>
+          <a:chOff x="0" y="0"/>
+          <a:chExt cx="0" cy="0"/>
+        </a:xfrm>
+      </p:grpSpPr>
       <p:sp>
         <p:nvSpPr>
-          <p:cNvPr id="67" name="Shape 67"/>
+          <p:cNvPr id="72" name="Shape 72"/>
+          <p:cNvSpPr txBox="1"/>
+          <p:nvPr>
+            <p:ph type="title"/>
+          </p:nvPr>
+        </p:nvSpPr>
+        <p:spPr>
+          <a:xfrm>
+            <a:off x="311700" y="445025"/>
+            <a:ext cx="8520600" cy="572700"/>
+          </a:xfrm>
+          <a:prstGeom prst="rect">
+            <a:avLst/>
+          </a:prstGeom>
+        </p:spPr>
+        <p:txBody>
+          <a:bodyPr anchorCtr="0" anchor="t" bIns="91425" lIns="91425" spcFirstLastPara="1" rIns="91425" wrap="square" tIns="91425">
+            <a:noAutofit/>
+          </a:bodyPr>
+          <a:lstStyle/>
+          <a:p>
+            <a:pPr indent="0" lvl="0" marL="0">
+              <a:spcBef>
+                <a:spcPts val="0"/>
+              </a:spcBef>
+              <a:spcAft>
+                <a:spcPts val="0"/>
+              </a:spcAft>
+              <a:buNone/>
+            </a:pPr>
+            <a:r>
+              <a:rPr lang="en"/>
+              <a:t>    Content Selection                Information Ordering</a:t>
+            </a:r>
+            <a:endParaRPr/>
+          </a:p>
+        </p:txBody>
+      </p:sp>
+      <p:sp>
+        <p:nvSpPr>
+          <p:cNvPr id="73" name="Shape 73"/>
           <p:cNvSpPr txBox="1"/>
           <p:nvPr>
             <p:ph idx="1" type="body"/>
@@ -6141,7 +6710,7 @@
         </p:nvSpPr>
         <p:spPr>
           <a:xfrm>
-            <a:off x="311700" y="1152475"/>
+            <a:off x="311700" y="1117600"/>
             <a:ext cx="3999900" cy="3416400"/>
           </a:xfrm>
           <a:prstGeom prst="rect">
@@ -6164,40 +6733,32 @@
               <a:buNone/>
             </a:pPr>
             <a:r>
-              <a:rPr lang="en"/>
-              <a:t>Lorem ipsum dolor sit amet, consectetur adipiscing elit, sed do eiusmod tempor incididunt ut labore et dolore magna aliqua</a:t>
+              <a:rPr lang="en">
+                <a:solidFill>
+                  <a:srgbClr val="FFFFFF"/>
+                </a:solidFill>
+              </a:rPr>
+              <a:t>LexRank: unsupervised, graph-based approach</a:t>
             </a:r>
-            <a:endParaRPr/>
+            <a:endParaRPr>
+              <a:solidFill>
+                <a:srgbClr val="FFFFFF"/>
+              </a:solidFill>
+            </a:endParaRPr>
           </a:p>
           <a:p>
-            <a:pPr indent="0" lvl="0" marL="0">
+            <a:pPr indent="-317500" lvl="0" marL="457200">
               <a:spcBef>
                 <a:spcPts val="1600"/>
               </a:spcBef>
               <a:spcAft>
                 <a:spcPts val="0"/>
               </a:spcAft>
-              <a:buNone/>
+              <a:buSzPts val="1400"/>
+              <a:buChar char="●"/>
             </a:pPr>
             <a:r>
-              <a:rPr lang="en"/>
-              <a:t>Incididunt ut labore et dolore</a:t>
-            </a:r>
-            <a:endParaRPr/>
-          </a:p>
-          <a:p>
-            <a:pPr indent="0" lvl="0" marL="0">
-              <a:spcBef>
-                <a:spcPts val="1600"/>
-              </a:spcBef>
-              <a:spcAft>
-                <a:spcPts val="1600"/>
-              </a:spcAft>
-              <a:buNone/>
-            </a:pPr>
-            <a:r>
-              <a:rPr lang="en"/>
-              <a:t>Consectetur adipiscing elit, sed do eiusmod tempor incididunt ut labore et dolore magna aliqua.</a:t>
+              <a:t/>
             </a:r>
             <a:endParaRPr/>
           </a:p>
@@ -6205,7 +6766,7 @@
       </p:sp>
       <p:sp>
         <p:nvSpPr>
-          <p:cNvPr id="68" name="Shape 68"/>
+          <p:cNvPr id="74" name="Shape 74"/>
           <p:cNvSpPr txBox="1"/>
           <p:nvPr>
             <p:ph idx="2" type="body"/>
@@ -6231,13 +6792,833 @@
                 <a:spcPts val="0"/>
               </a:spcBef>
               <a:spcAft>
-                <a:spcPts val="1600"/>
+                <a:spcPts val="0"/>
               </a:spcAft>
               <a:buNone/>
             </a:pPr>
             <a:r>
-              <a:rPr lang="en"/>
-              <a:t>Lorem ipsum dolor sit amet, consectetur adipiscing elit, sed do eiusmod tempor incididunt ut labore et dolore magna aliqua</a:t>
+              <a:rPr lang="en">
+                <a:solidFill>
+                  <a:srgbClr val="FFFFFF"/>
+                </a:solidFill>
+              </a:rPr>
+              <a:t>Within each </a:t>
+            </a:r>
+            <a:r>
+              <a:rPr lang="en">
+                <a:solidFill>
+                  <a:srgbClr val="FFFFFF"/>
+                </a:solidFill>
+              </a:rPr>
+              <a:t>docset</a:t>
+            </a:r>
+            <a:r>
+              <a:rPr lang="en">
+                <a:solidFill>
+                  <a:srgbClr val="FFFFFF"/>
+                </a:solidFill>
+              </a:rPr>
+              <a:t>:</a:t>
+            </a:r>
+            <a:endParaRPr>
+              <a:solidFill>
+                <a:srgbClr val="FFFFFF"/>
+              </a:solidFill>
+            </a:endParaRPr>
+          </a:p>
+          <a:p>
+            <a:pPr indent="-317500" lvl="0" marL="457200" rtl="0">
+              <a:spcBef>
+                <a:spcPts val="1600"/>
+              </a:spcBef>
+              <a:spcAft>
+                <a:spcPts val="0"/>
+              </a:spcAft>
+              <a:buClr>
+                <a:srgbClr val="FFFFFF"/>
+              </a:buClr>
+              <a:buSzPts val="1400"/>
+              <a:buChar char="●"/>
+            </a:pPr>
+            <a:r>
+              <a:rPr lang="en">
+                <a:solidFill>
+                  <a:srgbClr val="FFFFFF"/>
+                </a:solidFill>
+              </a:rPr>
+              <a:t>Sentences are stored the order the documents are read in. </a:t>
+            </a:r>
+            <a:endParaRPr>
+              <a:solidFill>
+                <a:srgbClr val="FFFFFF"/>
+              </a:solidFill>
+            </a:endParaRPr>
+          </a:p>
+          <a:p>
+            <a:pPr indent="-317500" lvl="0" marL="457200" rtl="0">
+              <a:spcBef>
+                <a:spcPts val="0"/>
+              </a:spcBef>
+              <a:spcAft>
+                <a:spcPts val="0"/>
+              </a:spcAft>
+              <a:buClr>
+                <a:srgbClr val="FFFFFF"/>
+              </a:buClr>
+              <a:buSzPts val="1400"/>
+              <a:buChar char="●"/>
+            </a:pPr>
+            <a:r>
+              <a:rPr lang="en">
+                <a:solidFill>
+                  <a:srgbClr val="FFFFFF"/>
+                </a:solidFill>
+              </a:rPr>
+              <a:t>Summary ordering is not chronological (for D2)</a:t>
+            </a:r>
+            <a:endParaRPr>
+              <a:solidFill>
+                <a:srgbClr val="FFFFFF"/>
+              </a:solidFill>
+            </a:endParaRPr>
+          </a:p>
+          <a:p>
+            <a:pPr indent="-317500" lvl="0" marL="457200" rtl="0">
+              <a:spcBef>
+                <a:spcPts val="0"/>
+              </a:spcBef>
+              <a:spcAft>
+                <a:spcPts val="0"/>
+              </a:spcAft>
+              <a:buClr>
+                <a:srgbClr val="FFFFFF"/>
+              </a:buClr>
+              <a:buSzPts val="1400"/>
+              <a:buChar char="●"/>
+            </a:pPr>
+            <a:r>
+              <a:rPr lang="en">
+                <a:solidFill>
+                  <a:srgbClr val="FFFFFF"/>
+                </a:solidFill>
+              </a:rPr>
+              <a:t>Based on descending level of sentence </a:t>
+            </a:r>
+            <a:r>
+              <a:rPr lang="en">
+                <a:solidFill>
+                  <a:srgbClr val="FFFFFF"/>
+                </a:solidFill>
+              </a:rPr>
+              <a:t>informativeness from LexRank similarity scores</a:t>
+            </a:r>
+            <a:endParaRPr>
+              <a:solidFill>
+                <a:srgbClr val="FFFFFF"/>
+              </a:solidFill>
+            </a:endParaRPr>
+          </a:p>
+        </p:txBody>
+      </p:sp>
+      <p:sp>
+        <p:nvSpPr>
+          <p:cNvPr id="75" name="Shape 75"/>
+          <p:cNvSpPr/>
+          <p:nvPr/>
+        </p:nvSpPr>
+        <p:spPr>
+          <a:xfrm>
+            <a:off x="810750" y="1641850"/>
+            <a:ext cx="1630200" cy="235500"/>
+          </a:xfrm>
+          <a:prstGeom prst="rect">
+            <a:avLst/>
+          </a:prstGeom>
+          <a:noFill/>
+          <a:ln cap="flat" cmpd="sng" w="9525">
+            <a:solidFill>
+              <a:srgbClr val="FFFFFF"/>
+            </a:solidFill>
+            <a:prstDash val="solid"/>
+            <a:round/>
+            <a:headEnd len="sm" w="sm" type="none"/>
+            <a:tailEnd len="sm" w="sm" type="none"/>
+          </a:ln>
+        </p:spPr>
+        <p:txBody>
+          <a:bodyPr anchorCtr="0" anchor="ctr" bIns="91425" lIns="91425" spcFirstLastPara="1" rIns="91425" wrap="square" tIns="91425">
+            <a:noAutofit/>
+          </a:bodyPr>
+          <a:lstStyle/>
+          <a:p>
+            <a:pPr indent="0" lvl="0" marL="0">
+              <a:spcBef>
+                <a:spcPts val="0"/>
+              </a:spcBef>
+              <a:spcAft>
+                <a:spcPts val="0"/>
+              </a:spcAft>
+              <a:buNone/>
+            </a:pPr>
+            <a:r>
+              <a:rPr lang="en">
+                <a:solidFill>
+                  <a:srgbClr val="FFFFFF"/>
+                </a:solidFill>
+              </a:rPr>
+              <a:t>Document set</a:t>
+            </a:r>
+            <a:endParaRPr>
+              <a:solidFill>
+                <a:srgbClr val="FFFFFF"/>
+              </a:solidFill>
+            </a:endParaRPr>
+          </a:p>
+        </p:txBody>
+      </p:sp>
+      <p:sp>
+        <p:nvSpPr>
+          <p:cNvPr id="76" name="Shape 76"/>
+          <p:cNvSpPr/>
+          <p:nvPr/>
+        </p:nvSpPr>
+        <p:spPr>
+          <a:xfrm>
+            <a:off x="810750" y="2116797"/>
+            <a:ext cx="1630200" cy="235500"/>
+          </a:xfrm>
+          <a:prstGeom prst="rect">
+            <a:avLst/>
+          </a:prstGeom>
+          <a:noFill/>
+          <a:ln cap="flat" cmpd="sng" w="9525">
+            <a:solidFill>
+              <a:srgbClr val="FFFFFF"/>
+            </a:solidFill>
+            <a:prstDash val="solid"/>
+            <a:round/>
+            <a:headEnd len="sm" w="sm" type="none"/>
+            <a:tailEnd len="sm" w="sm" type="none"/>
+          </a:ln>
+        </p:spPr>
+        <p:txBody>
+          <a:bodyPr anchorCtr="0" anchor="ctr" bIns="91425" lIns="91425" spcFirstLastPara="1" rIns="91425" wrap="square" tIns="91425">
+            <a:noAutofit/>
+          </a:bodyPr>
+          <a:lstStyle/>
+          <a:p>
+            <a:pPr indent="0" lvl="0" marL="0" rtl="0">
+              <a:spcBef>
+                <a:spcPts val="0"/>
+              </a:spcBef>
+              <a:spcAft>
+                <a:spcPts val="0"/>
+              </a:spcAft>
+              <a:buNone/>
+            </a:pPr>
+            <a:r>
+              <a:rPr lang="en">
+                <a:solidFill>
+                  <a:srgbClr val="FFFFFF"/>
+                </a:solidFill>
+              </a:rPr>
+              <a:t>Sentences</a:t>
+            </a:r>
+            <a:endParaRPr>
+              <a:solidFill>
+                <a:srgbClr val="FFFFFF"/>
+              </a:solidFill>
+            </a:endParaRPr>
+          </a:p>
+        </p:txBody>
+      </p:sp>
+      <p:sp>
+        <p:nvSpPr>
+          <p:cNvPr id="77" name="Shape 77"/>
+          <p:cNvSpPr/>
+          <p:nvPr/>
+        </p:nvSpPr>
+        <p:spPr>
+          <a:xfrm>
+            <a:off x="810750" y="2591750"/>
+            <a:ext cx="2763600" cy="248700"/>
+          </a:xfrm>
+          <a:prstGeom prst="rect">
+            <a:avLst/>
+          </a:prstGeom>
+          <a:noFill/>
+          <a:ln cap="flat" cmpd="sng" w="9525">
+            <a:solidFill>
+              <a:srgbClr val="FFFFFF"/>
+            </a:solidFill>
+            <a:prstDash val="solid"/>
+            <a:round/>
+            <a:headEnd len="sm" w="sm" type="none"/>
+            <a:tailEnd len="sm" w="sm" type="none"/>
+          </a:ln>
+        </p:spPr>
+        <p:txBody>
+          <a:bodyPr anchorCtr="0" anchor="ctr" bIns="91425" lIns="91425" spcFirstLastPara="1" rIns="91425" wrap="square" tIns="91425">
+            <a:noAutofit/>
+          </a:bodyPr>
+          <a:lstStyle/>
+          <a:p>
+            <a:pPr indent="0" lvl="0" marL="0" rtl="0">
+              <a:spcBef>
+                <a:spcPts val="0"/>
+              </a:spcBef>
+              <a:spcAft>
+                <a:spcPts val="0"/>
+              </a:spcAft>
+              <a:buNone/>
+            </a:pPr>
+            <a:r>
+              <a:rPr lang="en">
+                <a:solidFill>
+                  <a:srgbClr val="FFFFFF"/>
+                </a:solidFill>
+              </a:rPr>
+              <a:t>Preprocessing each sentence</a:t>
+            </a:r>
+            <a:endParaRPr>
+              <a:solidFill>
+                <a:srgbClr val="FFFFFF"/>
+              </a:solidFill>
+            </a:endParaRPr>
+          </a:p>
+        </p:txBody>
+      </p:sp>
+      <p:sp>
+        <p:nvSpPr>
+          <p:cNvPr id="78" name="Shape 78"/>
+          <p:cNvSpPr/>
+          <p:nvPr/>
+        </p:nvSpPr>
+        <p:spPr>
+          <a:xfrm>
+            <a:off x="810750" y="3101575"/>
+            <a:ext cx="1630200" cy="248700"/>
+          </a:xfrm>
+          <a:prstGeom prst="rect">
+            <a:avLst/>
+          </a:prstGeom>
+          <a:noFill/>
+          <a:ln cap="flat" cmpd="sng" w="9525">
+            <a:solidFill>
+              <a:srgbClr val="FFFFFF"/>
+            </a:solidFill>
+            <a:prstDash val="solid"/>
+            <a:round/>
+            <a:headEnd len="sm" w="sm" type="none"/>
+            <a:tailEnd len="sm" w="sm" type="none"/>
+          </a:ln>
+        </p:spPr>
+        <p:txBody>
+          <a:bodyPr anchorCtr="0" anchor="ctr" bIns="91425" lIns="91425" spcFirstLastPara="1" rIns="91425" wrap="square" tIns="91425">
+            <a:noAutofit/>
+          </a:bodyPr>
+          <a:lstStyle/>
+          <a:p>
+            <a:pPr indent="0" lvl="0" marL="0" rtl="0">
+              <a:spcBef>
+                <a:spcPts val="0"/>
+              </a:spcBef>
+              <a:spcAft>
+                <a:spcPts val="0"/>
+              </a:spcAft>
+              <a:buNone/>
+            </a:pPr>
+            <a:r>
+              <a:rPr lang="en">
+                <a:solidFill>
+                  <a:srgbClr val="FFFFFF"/>
+                </a:solidFill>
+              </a:rPr>
+              <a:t>Similarity</a:t>
+            </a:r>
+            <a:endParaRPr>
+              <a:solidFill>
+                <a:srgbClr val="FFFFFF"/>
+              </a:solidFill>
+            </a:endParaRPr>
+          </a:p>
+        </p:txBody>
+      </p:sp>
+      <p:sp>
+        <p:nvSpPr>
+          <p:cNvPr id="79" name="Shape 79"/>
+          <p:cNvSpPr/>
+          <p:nvPr/>
+        </p:nvSpPr>
+        <p:spPr>
+          <a:xfrm>
+            <a:off x="810750" y="3585275"/>
+            <a:ext cx="1630200" cy="248700"/>
+          </a:xfrm>
+          <a:prstGeom prst="rect">
+            <a:avLst/>
+          </a:prstGeom>
+          <a:noFill/>
+          <a:ln cap="flat" cmpd="sng" w="9525">
+            <a:solidFill>
+              <a:srgbClr val="FFFFFF"/>
+            </a:solidFill>
+            <a:prstDash val="solid"/>
+            <a:round/>
+            <a:headEnd len="sm" w="sm" type="none"/>
+            <a:tailEnd len="sm" w="sm" type="none"/>
+          </a:ln>
+        </p:spPr>
+        <p:txBody>
+          <a:bodyPr anchorCtr="0" anchor="ctr" bIns="91425" lIns="91425" spcFirstLastPara="1" rIns="91425" wrap="square" tIns="91425">
+            <a:noAutofit/>
+          </a:bodyPr>
+          <a:lstStyle/>
+          <a:p>
+            <a:pPr indent="0" lvl="0" marL="0" rtl="0">
+              <a:spcBef>
+                <a:spcPts val="0"/>
+              </a:spcBef>
+              <a:spcAft>
+                <a:spcPts val="0"/>
+              </a:spcAft>
+              <a:buNone/>
+            </a:pPr>
+            <a:r>
+              <a:rPr lang="en">
+                <a:solidFill>
+                  <a:srgbClr val="FFFFFF"/>
+                </a:solidFill>
+              </a:rPr>
+              <a:t>Connected graph</a:t>
+            </a:r>
+            <a:endParaRPr>
+              <a:solidFill>
+                <a:srgbClr val="FFFFFF"/>
+              </a:solidFill>
+            </a:endParaRPr>
+          </a:p>
+        </p:txBody>
+      </p:sp>
+      <p:sp>
+        <p:nvSpPr>
+          <p:cNvPr id="80" name="Shape 80"/>
+          <p:cNvSpPr/>
+          <p:nvPr/>
+        </p:nvSpPr>
+        <p:spPr>
+          <a:xfrm>
+            <a:off x="810750" y="4095075"/>
+            <a:ext cx="2170800" cy="292800"/>
+          </a:xfrm>
+          <a:prstGeom prst="rect">
+            <a:avLst/>
+          </a:prstGeom>
+          <a:noFill/>
+          <a:ln cap="flat" cmpd="sng" w="9525">
+            <a:solidFill>
+              <a:srgbClr val="FFFFFF"/>
+            </a:solidFill>
+            <a:prstDash val="solid"/>
+            <a:round/>
+            <a:headEnd len="sm" w="sm" type="none"/>
+            <a:tailEnd len="sm" w="sm" type="none"/>
+          </a:ln>
+        </p:spPr>
+        <p:txBody>
+          <a:bodyPr anchorCtr="0" anchor="ctr" bIns="91425" lIns="91425" spcFirstLastPara="1" rIns="91425" wrap="square" tIns="91425">
+            <a:noAutofit/>
+          </a:bodyPr>
+          <a:lstStyle/>
+          <a:p>
+            <a:pPr indent="0" lvl="0" marL="0" rtl="0">
+              <a:spcBef>
+                <a:spcPts val="0"/>
+              </a:spcBef>
+              <a:spcAft>
+                <a:spcPts val="0"/>
+              </a:spcAft>
+              <a:buNone/>
+            </a:pPr>
+            <a:r>
+              <a:rPr lang="en">
+                <a:solidFill>
+                  <a:srgbClr val="FFFFFF"/>
+                </a:solidFill>
+              </a:rPr>
+              <a:t>Extracted sentences</a:t>
+            </a:r>
+            <a:endParaRPr>
+              <a:solidFill>
+                <a:srgbClr val="FFFFFF"/>
+              </a:solidFill>
+            </a:endParaRPr>
+          </a:p>
+        </p:txBody>
+      </p:sp>
+      <p:sp>
+        <p:nvSpPr>
+          <p:cNvPr id="81" name="Shape 81"/>
+          <p:cNvSpPr/>
+          <p:nvPr/>
+        </p:nvSpPr>
+        <p:spPr>
+          <a:xfrm>
+            <a:off x="810750" y="4633875"/>
+            <a:ext cx="1630200" cy="235500"/>
+          </a:xfrm>
+          <a:prstGeom prst="rect">
+            <a:avLst/>
+          </a:prstGeom>
+          <a:noFill/>
+          <a:ln cap="flat" cmpd="sng" w="9525">
+            <a:solidFill>
+              <a:srgbClr val="FFFFFF"/>
+            </a:solidFill>
+            <a:prstDash val="solid"/>
+            <a:round/>
+            <a:headEnd len="sm" w="sm" type="none"/>
+            <a:tailEnd len="sm" w="sm" type="none"/>
+          </a:ln>
+        </p:spPr>
+        <p:txBody>
+          <a:bodyPr anchorCtr="0" anchor="ctr" bIns="91425" lIns="91425" spcFirstLastPara="1" rIns="91425" wrap="square" tIns="91425">
+            <a:noAutofit/>
+          </a:bodyPr>
+          <a:lstStyle/>
+          <a:p>
+            <a:pPr indent="0" lvl="0" marL="0" rtl="0">
+              <a:spcBef>
+                <a:spcPts val="0"/>
+              </a:spcBef>
+              <a:spcAft>
+                <a:spcPts val="0"/>
+              </a:spcAft>
+              <a:buNone/>
+            </a:pPr>
+            <a:r>
+              <a:rPr lang="en">
+                <a:solidFill>
+                  <a:srgbClr val="FFFFFF"/>
+                </a:solidFill>
+              </a:rPr>
+              <a:t>Summary</a:t>
+            </a:r>
+            <a:endParaRPr>
+              <a:solidFill>
+                <a:srgbClr val="FFFFFF"/>
+              </a:solidFill>
+            </a:endParaRPr>
+          </a:p>
+        </p:txBody>
+      </p:sp>
+      <p:sp>
+        <p:nvSpPr>
+          <p:cNvPr id="82" name="Shape 82"/>
+          <p:cNvSpPr/>
+          <p:nvPr/>
+        </p:nvSpPr>
+        <p:spPr>
+          <a:xfrm>
+            <a:off x="1438425" y="1938250"/>
+            <a:ext cx="113400" cy="115500"/>
+          </a:xfrm>
+          <a:prstGeom prst="downArrow">
+            <a:avLst>
+              <a:gd fmla="val 50000" name="adj1"/>
+              <a:gd fmla="val 50000" name="adj2"/>
+            </a:avLst>
+          </a:prstGeom>
+          <a:solidFill>
+            <a:schemeClr val="lt2"/>
+          </a:solidFill>
+          <a:ln cap="flat" cmpd="sng" w="9525">
+            <a:solidFill>
+              <a:schemeClr val="dk2"/>
+            </a:solidFill>
+            <a:prstDash val="solid"/>
+            <a:round/>
+            <a:headEnd len="sm" w="sm" type="none"/>
+            <a:tailEnd len="sm" w="sm" type="none"/>
+          </a:ln>
+        </p:spPr>
+        <p:txBody>
+          <a:bodyPr anchorCtr="0" anchor="ctr" bIns="91425" lIns="91425" spcFirstLastPara="1" rIns="91425" wrap="square" tIns="91425">
+            <a:noAutofit/>
+          </a:bodyPr>
+          <a:lstStyle/>
+          <a:p>
+            <a:pPr indent="0" lvl="0" marL="0">
+              <a:spcBef>
+                <a:spcPts val="0"/>
+              </a:spcBef>
+              <a:spcAft>
+                <a:spcPts val="0"/>
+              </a:spcAft>
+              <a:buNone/>
+            </a:pPr>
+            <a:r>
+              <a:t/>
+            </a:r>
+            <a:endParaRPr/>
+          </a:p>
+        </p:txBody>
+      </p:sp>
+      <p:sp>
+        <p:nvSpPr>
+          <p:cNvPr id="83" name="Shape 83"/>
+          <p:cNvSpPr/>
+          <p:nvPr/>
+        </p:nvSpPr>
+        <p:spPr>
+          <a:xfrm>
+            <a:off x="1438425" y="2414275"/>
+            <a:ext cx="113400" cy="115500"/>
+          </a:xfrm>
+          <a:prstGeom prst="downArrow">
+            <a:avLst>
+              <a:gd fmla="val 50000" name="adj1"/>
+              <a:gd fmla="val 50000" name="adj2"/>
+            </a:avLst>
+          </a:prstGeom>
+          <a:solidFill>
+            <a:schemeClr val="lt2"/>
+          </a:solidFill>
+          <a:ln cap="flat" cmpd="sng" w="9525">
+            <a:solidFill>
+              <a:schemeClr val="dk2"/>
+            </a:solidFill>
+            <a:prstDash val="solid"/>
+            <a:round/>
+            <a:headEnd len="sm" w="sm" type="none"/>
+            <a:tailEnd len="sm" w="sm" type="none"/>
+          </a:ln>
+        </p:spPr>
+        <p:txBody>
+          <a:bodyPr anchorCtr="0" anchor="ctr" bIns="91425" lIns="91425" spcFirstLastPara="1" rIns="91425" wrap="square" tIns="91425">
+            <a:noAutofit/>
+          </a:bodyPr>
+          <a:lstStyle/>
+          <a:p>
+            <a:pPr indent="0" lvl="0" marL="0">
+              <a:spcBef>
+                <a:spcPts val="0"/>
+              </a:spcBef>
+              <a:spcAft>
+                <a:spcPts val="0"/>
+              </a:spcAft>
+              <a:buNone/>
+            </a:pPr>
+            <a:r>
+              <a:t/>
+            </a:r>
+            <a:endParaRPr/>
+          </a:p>
+        </p:txBody>
+      </p:sp>
+      <p:sp>
+        <p:nvSpPr>
+          <p:cNvPr id="84" name="Shape 84"/>
+          <p:cNvSpPr/>
+          <p:nvPr/>
+        </p:nvSpPr>
+        <p:spPr>
+          <a:xfrm>
+            <a:off x="1438425" y="2926338"/>
+            <a:ext cx="113400" cy="115500"/>
+          </a:xfrm>
+          <a:prstGeom prst="downArrow">
+            <a:avLst>
+              <a:gd fmla="val 50000" name="adj1"/>
+              <a:gd fmla="val 50000" name="adj2"/>
+            </a:avLst>
+          </a:prstGeom>
+          <a:solidFill>
+            <a:schemeClr val="lt2"/>
+          </a:solidFill>
+          <a:ln cap="flat" cmpd="sng" w="9525">
+            <a:solidFill>
+              <a:schemeClr val="dk2"/>
+            </a:solidFill>
+            <a:prstDash val="solid"/>
+            <a:round/>
+            <a:headEnd len="sm" w="sm" type="none"/>
+            <a:tailEnd len="sm" w="sm" type="none"/>
+          </a:ln>
+        </p:spPr>
+        <p:txBody>
+          <a:bodyPr anchorCtr="0" anchor="ctr" bIns="91425" lIns="91425" spcFirstLastPara="1" rIns="91425" wrap="square" tIns="91425">
+            <a:noAutofit/>
+          </a:bodyPr>
+          <a:lstStyle/>
+          <a:p>
+            <a:pPr indent="0" lvl="0" marL="0">
+              <a:spcBef>
+                <a:spcPts val="0"/>
+              </a:spcBef>
+              <a:spcAft>
+                <a:spcPts val="0"/>
+              </a:spcAft>
+              <a:buNone/>
+            </a:pPr>
+            <a:r>
+              <a:t/>
+            </a:r>
+            <a:endParaRPr/>
+          </a:p>
+        </p:txBody>
+      </p:sp>
+      <p:sp>
+        <p:nvSpPr>
+          <p:cNvPr id="85" name="Shape 85"/>
+          <p:cNvSpPr/>
+          <p:nvPr/>
+        </p:nvSpPr>
+        <p:spPr>
+          <a:xfrm>
+            <a:off x="1438425" y="3410013"/>
+            <a:ext cx="113400" cy="115500"/>
+          </a:xfrm>
+          <a:prstGeom prst="downArrow">
+            <a:avLst>
+              <a:gd fmla="val 50000" name="adj1"/>
+              <a:gd fmla="val 50000" name="adj2"/>
+            </a:avLst>
+          </a:prstGeom>
+          <a:solidFill>
+            <a:schemeClr val="lt2"/>
+          </a:solidFill>
+          <a:ln cap="flat" cmpd="sng" w="9525">
+            <a:solidFill>
+              <a:schemeClr val="dk2"/>
+            </a:solidFill>
+            <a:prstDash val="solid"/>
+            <a:round/>
+            <a:headEnd len="sm" w="sm" type="none"/>
+            <a:tailEnd len="sm" w="sm" type="none"/>
+          </a:ln>
+        </p:spPr>
+        <p:txBody>
+          <a:bodyPr anchorCtr="0" anchor="ctr" bIns="91425" lIns="91425" spcFirstLastPara="1" rIns="91425" wrap="square" tIns="91425">
+            <a:noAutofit/>
+          </a:bodyPr>
+          <a:lstStyle/>
+          <a:p>
+            <a:pPr indent="0" lvl="0" marL="0">
+              <a:spcBef>
+                <a:spcPts val="0"/>
+              </a:spcBef>
+              <a:spcAft>
+                <a:spcPts val="0"/>
+              </a:spcAft>
+              <a:buNone/>
+            </a:pPr>
+            <a:r>
+              <a:t/>
+            </a:r>
+            <a:endParaRPr/>
+          </a:p>
+        </p:txBody>
+      </p:sp>
+      <p:sp>
+        <p:nvSpPr>
+          <p:cNvPr id="86" name="Shape 86"/>
+          <p:cNvSpPr/>
+          <p:nvPr/>
+        </p:nvSpPr>
+        <p:spPr>
+          <a:xfrm>
+            <a:off x="1438425" y="3906775"/>
+            <a:ext cx="113400" cy="115500"/>
+          </a:xfrm>
+          <a:prstGeom prst="downArrow">
+            <a:avLst>
+              <a:gd fmla="val 50000" name="adj1"/>
+              <a:gd fmla="val 50000" name="adj2"/>
+            </a:avLst>
+          </a:prstGeom>
+          <a:solidFill>
+            <a:schemeClr val="lt2"/>
+          </a:solidFill>
+          <a:ln cap="flat" cmpd="sng" w="9525">
+            <a:solidFill>
+              <a:schemeClr val="dk2"/>
+            </a:solidFill>
+            <a:prstDash val="solid"/>
+            <a:round/>
+            <a:headEnd len="sm" w="sm" type="none"/>
+            <a:tailEnd len="sm" w="sm" type="none"/>
+          </a:ln>
+        </p:spPr>
+        <p:txBody>
+          <a:bodyPr anchorCtr="0" anchor="ctr" bIns="91425" lIns="91425" spcFirstLastPara="1" rIns="91425" wrap="square" tIns="91425">
+            <a:noAutofit/>
+          </a:bodyPr>
+          <a:lstStyle/>
+          <a:p>
+            <a:pPr indent="0" lvl="0" marL="0">
+              <a:spcBef>
+                <a:spcPts val="0"/>
+              </a:spcBef>
+              <a:spcAft>
+                <a:spcPts val="0"/>
+              </a:spcAft>
+              <a:buNone/>
+            </a:pPr>
+            <a:r>
+              <a:t/>
+            </a:r>
+            <a:endParaRPr/>
+          </a:p>
+        </p:txBody>
+      </p:sp>
+      <p:sp>
+        <p:nvSpPr>
+          <p:cNvPr id="87" name="Shape 87"/>
+          <p:cNvSpPr/>
+          <p:nvPr/>
+        </p:nvSpPr>
+        <p:spPr>
+          <a:xfrm>
+            <a:off x="1438425" y="4453125"/>
+            <a:ext cx="113400" cy="115500"/>
+          </a:xfrm>
+          <a:prstGeom prst="downArrow">
+            <a:avLst>
+              <a:gd fmla="val 50000" name="adj1"/>
+              <a:gd fmla="val 50000" name="adj2"/>
+            </a:avLst>
+          </a:prstGeom>
+          <a:solidFill>
+            <a:schemeClr val="lt2"/>
+          </a:solidFill>
+          <a:ln cap="flat" cmpd="sng" w="9525">
+            <a:solidFill>
+              <a:schemeClr val="dk2"/>
+            </a:solidFill>
+            <a:prstDash val="solid"/>
+            <a:round/>
+            <a:headEnd len="sm" w="sm" type="none"/>
+            <a:tailEnd len="sm" w="sm" type="none"/>
+          </a:ln>
+        </p:spPr>
+        <p:txBody>
+          <a:bodyPr anchorCtr="0" anchor="ctr" bIns="91425" lIns="91425" spcFirstLastPara="1" rIns="91425" wrap="square" tIns="91425">
+            <a:noAutofit/>
+          </a:bodyPr>
+          <a:lstStyle/>
+          <a:p>
+            <a:pPr indent="0" lvl="0" marL="0">
+              <a:spcBef>
+                <a:spcPts val="0"/>
+              </a:spcBef>
+              <a:spcAft>
+                <a:spcPts val="0"/>
+              </a:spcAft>
+              <a:buNone/>
+            </a:pPr>
+            <a:r>
+              <a:t/>
             </a:r>
             <a:endParaRPr/>
           </a:p>
@@ -6251,12 +7632,12 @@
 </p:sld>
 </file>
 
-<file path=ppt/slides/slide4.xml><?xml version="1.0" encoding="utf-8"?>
+<file path=ppt/slides/slide5.xml><?xml version="1.0" encoding="utf-8"?>
 <p:sld xmlns:a="http://schemas.openxmlformats.org/drawingml/2006/main" xmlns:r="http://schemas.openxmlformats.org/officeDocument/2006/relationships" xmlns:mc="http://schemas.openxmlformats.org/markup-compatibility/2006" xmlns:mv="urn:schemas-microsoft-com:mac:vml" xmlns:p="http://schemas.openxmlformats.org/presentationml/2006/main" xmlns:c="http://schemas.openxmlformats.org/drawingml/2006/chart" xmlns:dgm="http://schemas.openxmlformats.org/drawingml/2006/diagram" xmlns:o="urn:schemas-microsoft-com:office:office" xmlns:v="urn:schemas-microsoft-com:vml" xmlns:pvml="urn:schemas-microsoft-com:office:powerpoint" xmlns:com="http://schemas.openxmlformats.org/drawingml/2006/compatibility" xmlns:p14="http://schemas.microsoft.com/office/powerpoint/2010/main" xmlns:p15="http://schemas.microsoft.com/office/powerpoint/2012/main">
   <p:cSld>
     <p:spTree>
       <p:nvGrpSpPr>
-        <p:cNvPr id="72" name="Shape 72"/>
+        <p:cNvPr id="91" name="Shape 91"/>
         <p:cNvGrpSpPr/>
         <p:nvPr/>
       </p:nvGrpSpPr>
@@ -6270,7 +7651,7 @@
       </p:grpSpPr>
       <p:sp>
         <p:nvSpPr>
-          <p:cNvPr id="73" name="Shape 73"/>
+          <p:cNvPr id="92" name="Shape 92"/>
           <p:cNvSpPr txBox="1"/>
           <p:nvPr>
             <p:ph type="title"/>
@@ -6302,90 +7683,66 @@
             </a:pPr>
             <a:r>
               <a:rPr lang="en"/>
-              <a:t>Content Selection + Information Ordering</a:t>
+              <a:t>Sample Outputs</a:t>
             </a:r>
             <a:endParaRPr/>
           </a:p>
         </p:txBody>
       </p:sp>
-      <p:sp>
-        <p:nvSpPr>
-          <p:cNvPr id="74" name="Shape 74"/>
-          <p:cNvSpPr txBox="1"/>
-          <p:nvPr>
-            <p:ph idx="1" type="body"/>
-          </p:nvPr>
-        </p:nvSpPr>
+      <p:pic>
+        <p:nvPicPr>
+          <p:cNvPr id="93" name="Shape 93"/>
+          <p:cNvPicPr preferRelativeResize="0"/>
+          <p:nvPr/>
+        </p:nvPicPr>
+        <p:blipFill rotWithShape="1">
+          <a:blip r:embed="rId3">
+            <a:alphaModFix/>
+          </a:blip>
+          <a:srcRect b="4894" l="0" r="0" t="2590"/>
+          <a:stretch/>
+        </p:blipFill>
         <p:spPr>
           <a:xfrm>
-            <a:off x="311700" y="1152475"/>
-            <a:ext cx="3999900" cy="3416400"/>
+            <a:off x="501100" y="1146175"/>
+            <a:ext cx="7859450" cy="1353950"/>
           </a:xfrm>
           <a:prstGeom prst="rect">
             <a:avLst/>
           </a:prstGeom>
+          <a:noFill/>
+          <a:ln>
+            <a:noFill/>
+          </a:ln>
         </p:spPr>
-        <p:txBody>
-          <a:bodyPr anchorCtr="0" anchor="t" bIns="91425" lIns="91425" spcFirstLastPara="1" rIns="91425" wrap="square" tIns="91425">
-            <a:noAutofit/>
-          </a:bodyPr>
-          <a:lstStyle/>
-          <a:p>
-            <a:pPr indent="0" lvl="0" marL="0">
-              <a:spcBef>
-                <a:spcPts val="0"/>
-              </a:spcBef>
-              <a:spcAft>
-                <a:spcPts val="1600"/>
-              </a:spcAft>
-              <a:buNone/>
-            </a:pPr>
-            <a:r>
-              <a:t/>
-            </a:r>
-            <a:endParaRPr/>
-          </a:p>
-        </p:txBody>
-      </p:sp>
-      <p:sp>
-        <p:nvSpPr>
-          <p:cNvPr id="75" name="Shape 75"/>
-          <p:cNvSpPr txBox="1"/>
-          <p:nvPr>
-            <p:ph idx="2" type="body"/>
-          </p:nvPr>
-        </p:nvSpPr>
+      </p:pic>
+      <p:pic>
+        <p:nvPicPr>
+          <p:cNvPr id="94" name="Shape 94"/>
+          <p:cNvPicPr preferRelativeResize="0"/>
+          <p:nvPr/>
+        </p:nvPicPr>
+        <p:blipFill rotWithShape="1">
+          <a:blip r:embed="rId4">
+            <a:alphaModFix/>
+          </a:blip>
+          <a:srcRect b="2467" l="179" r="189" t="0"/>
+          <a:stretch/>
+        </p:blipFill>
         <p:spPr>
           <a:xfrm>
-            <a:off x="4832400" y="1152475"/>
-            <a:ext cx="3999900" cy="3416400"/>
+            <a:off x="530100" y="2800400"/>
+            <a:ext cx="7830450" cy="1913275"/>
           </a:xfrm>
           <a:prstGeom prst="rect">
             <a:avLst/>
           </a:prstGeom>
+          <a:noFill/>
+          <a:ln>
+            <a:noFill/>
+          </a:ln>
         </p:spPr>
-        <p:txBody>
-          <a:bodyPr anchorCtr="0" anchor="t" bIns="91425" lIns="91425" spcFirstLastPara="1" rIns="91425" wrap="square" tIns="91425">
-            <a:noAutofit/>
-          </a:bodyPr>
-          <a:lstStyle/>
-          <a:p>
-            <a:pPr indent="0" lvl="0" marL="0">
-              <a:spcBef>
-                <a:spcPts val="0"/>
-              </a:spcBef>
-              <a:spcAft>
-                <a:spcPts val="1600"/>
-              </a:spcAft>
-              <a:buNone/>
-            </a:pPr>
-            <a:r>
-              <a:t/>
-            </a:r>
-            <a:endParaRPr/>
-          </a:p>
-        </p:txBody>
-      </p:sp>
+      </p:pic>
     </p:spTree>
   </p:cSld>
   <p:clrMapOvr>
@@ -6394,12 +7751,19 @@
 </p:sld>
 </file>
 
-<file path=ppt/slides/slide5.xml><?xml version="1.0" encoding="utf-8"?>
+<file path=ppt/slides/slide6.xml><?xml version="1.0" encoding="utf-8"?>
 <p:sld xmlns:a="http://schemas.openxmlformats.org/drawingml/2006/main" xmlns:r="http://schemas.openxmlformats.org/officeDocument/2006/relationships" xmlns:mc="http://schemas.openxmlformats.org/markup-compatibility/2006" xmlns:mv="urn:schemas-microsoft-com:mac:vml" xmlns:p="http://schemas.openxmlformats.org/presentationml/2006/main" xmlns:c="http://schemas.openxmlformats.org/drawingml/2006/chart" xmlns:dgm="http://schemas.openxmlformats.org/drawingml/2006/diagram" xmlns:o="urn:schemas-microsoft-com:office:office" xmlns:v="urn:schemas-microsoft-com:vml" xmlns:pvml="urn:schemas-microsoft-com:office:powerpoint" xmlns:com="http://schemas.openxmlformats.org/drawingml/2006/compatibility" xmlns:p14="http://schemas.microsoft.com/office/powerpoint/2010/main" xmlns:p15="http://schemas.microsoft.com/office/powerpoint/2012/main">
   <p:cSld>
+    <p:bg>
+      <p:bgPr>
+        <a:solidFill>
+          <a:srgbClr val="000000"/>
+        </a:solidFill>
+      </p:bgPr>
+    </p:bg>
     <p:spTree>
       <p:nvGrpSpPr>
-        <p:cNvPr id="79" name="Shape 79"/>
+        <p:cNvPr id="98" name="Shape 98"/>
         <p:cNvGrpSpPr/>
         <p:nvPr/>
       </p:nvGrpSpPr>
@@ -6413,7 +7777,100 @@
       </p:grpSpPr>
       <p:sp>
         <p:nvSpPr>
-          <p:cNvPr id="80" name="Shape 80"/>
+          <p:cNvPr id="99" name="Shape 99"/>
+          <p:cNvSpPr txBox="1"/>
+          <p:nvPr>
+            <p:ph type="title"/>
+          </p:nvPr>
+        </p:nvSpPr>
+        <p:spPr>
+          <a:xfrm>
+            <a:off x="268250" y="510175"/>
+            <a:ext cx="8520600" cy="572700"/>
+          </a:xfrm>
+          <a:prstGeom prst="rect">
+            <a:avLst/>
+          </a:prstGeom>
+        </p:spPr>
+        <p:txBody>
+          <a:bodyPr anchorCtr="0" anchor="t" bIns="91425" lIns="91425" spcFirstLastPara="1" rIns="91425" wrap="square" tIns="91425">
+            <a:noAutofit/>
+          </a:bodyPr>
+          <a:lstStyle/>
+          <a:p>
+            <a:pPr indent="0" lvl="0" marL="0">
+              <a:spcBef>
+                <a:spcPts val="0"/>
+              </a:spcBef>
+              <a:spcAft>
+                <a:spcPts val="0"/>
+              </a:spcAft>
+              <a:buNone/>
+            </a:pPr>
+            <a:r>
+              <a:rPr lang="en"/>
+              <a:t>Results</a:t>
+            </a:r>
+            <a:endParaRPr/>
+          </a:p>
+        </p:txBody>
+      </p:sp>
+      <p:pic>
+        <p:nvPicPr>
+          <p:cNvPr id="100" name="Shape 100"/>
+          <p:cNvPicPr preferRelativeResize="0"/>
+          <p:nvPr/>
+        </p:nvPicPr>
+        <p:blipFill>
+          <a:blip r:embed="rId3">
+            <a:alphaModFix/>
+          </a:blip>
+          <a:stretch>
+            <a:fillRect/>
+          </a:stretch>
+        </p:blipFill>
+        <p:spPr>
+          <a:xfrm>
+            <a:off x="1303550" y="1082875"/>
+            <a:ext cx="5952312" cy="3755825"/>
+          </a:xfrm>
+          <a:prstGeom prst="rect">
+            <a:avLst/>
+          </a:prstGeom>
+          <a:noFill/>
+          <a:ln>
+            <a:noFill/>
+          </a:ln>
+        </p:spPr>
+      </p:pic>
+    </p:spTree>
+  </p:cSld>
+  <p:clrMapOvr>
+    <a:masterClrMapping/>
+  </p:clrMapOvr>
+</p:sld>
+</file>
+
+<file path=ppt/slides/slide7.xml><?xml version="1.0" encoding="utf-8"?>
+<p:sld xmlns:a="http://schemas.openxmlformats.org/drawingml/2006/main" xmlns:r="http://schemas.openxmlformats.org/officeDocument/2006/relationships" xmlns:mc="http://schemas.openxmlformats.org/markup-compatibility/2006" xmlns:mv="urn:schemas-microsoft-com:mac:vml" xmlns:p="http://schemas.openxmlformats.org/presentationml/2006/main" xmlns:c="http://schemas.openxmlformats.org/drawingml/2006/chart" xmlns:dgm="http://schemas.openxmlformats.org/drawingml/2006/diagram" xmlns:o="urn:schemas-microsoft-com:office:office" xmlns:v="urn:schemas-microsoft-com:vml" xmlns:pvml="urn:schemas-microsoft-com:office:powerpoint" xmlns:com="http://schemas.openxmlformats.org/drawingml/2006/compatibility" xmlns:p14="http://schemas.microsoft.com/office/powerpoint/2010/main" xmlns:p15="http://schemas.microsoft.com/office/powerpoint/2012/main">
+  <p:cSld>
+    <p:spTree>
+      <p:nvGrpSpPr>
+        <p:cNvPr id="104" name="Shape 104"/>
+        <p:cNvGrpSpPr/>
+        <p:nvPr/>
+      </p:nvGrpSpPr>
+      <p:grpSpPr>
+        <a:xfrm>
+          <a:off x="0" y="0"/>
+          <a:ext cx="0" cy="0"/>
+          <a:chOff x="0" y="0"/>
+          <a:chExt cx="0" cy="0"/>
+        </a:xfrm>
+      </p:grpSpPr>
+      <p:sp>
+        <p:nvSpPr>
+          <p:cNvPr id="105" name="Shape 105"/>
           <p:cNvSpPr txBox="1"/>
           <p:nvPr>
             <p:ph type="title"/>
@@ -6445,7 +7902,7 @@
             </a:pPr>
             <a:r>
               <a:rPr lang="en"/>
-              <a:t>Issues and Successes</a:t>
+              <a:t>Improvements </a:t>
             </a:r>
             <a:endParaRPr/>
           </a:p>
@@ -6453,16 +7910,303 @@
       </p:sp>
       <p:sp>
         <p:nvSpPr>
-          <p:cNvPr id="81" name="Shape 81"/>
+          <p:cNvPr id="106" name="Shape 106"/>
           <p:cNvSpPr txBox="1"/>
           <p:nvPr>
-            <p:ph idx="1" type="body"/>
+            <p:ph idx="2" type="body"/>
           </p:nvPr>
         </p:nvSpPr>
         <p:spPr>
           <a:xfrm>
-            <a:off x="311700" y="1152475"/>
-            <a:ext cx="3999900" cy="3416400"/>
+            <a:off x="952225" y="1216925"/>
+            <a:ext cx="7091700" cy="3165900"/>
+          </a:xfrm>
+          <a:prstGeom prst="rect">
+            <a:avLst/>
+          </a:prstGeom>
+        </p:spPr>
+        <p:txBody>
+          <a:bodyPr anchorCtr="0" anchor="t" bIns="91425" lIns="91425" spcFirstLastPara="1" rIns="91425" wrap="square" tIns="91425">
+            <a:noAutofit/>
+          </a:bodyPr>
+          <a:lstStyle/>
+          <a:p>
+            <a:pPr indent="-317500" lvl="0" marL="457200" rtl="0">
+              <a:spcBef>
+                <a:spcPts val="0"/>
+              </a:spcBef>
+              <a:spcAft>
+                <a:spcPts val="0"/>
+              </a:spcAft>
+              <a:buClr>
+                <a:srgbClr val="FFFFFF"/>
+              </a:buClr>
+              <a:buSzPts val="1400"/>
+              <a:buChar char="●"/>
+            </a:pPr>
+            <a:r>
+              <a:rPr lang="en">
+                <a:solidFill>
+                  <a:schemeClr val="dk1"/>
+                </a:solidFill>
+              </a:rPr>
+              <a:t>Remove unnecessary/redundant language, exclude fragments</a:t>
+            </a:r>
+            <a:br>
+              <a:rPr lang="en">
+                <a:solidFill>
+                  <a:schemeClr val="dk1"/>
+                </a:solidFill>
+              </a:rPr>
+            </a:br>
+            <a:endParaRPr>
+              <a:solidFill>
+                <a:schemeClr val="dk1"/>
+              </a:solidFill>
+            </a:endParaRPr>
+          </a:p>
+          <a:p>
+            <a:pPr indent="-317500" lvl="0" marL="457200" rtl="0">
+              <a:spcBef>
+                <a:spcPts val="0"/>
+              </a:spcBef>
+              <a:spcAft>
+                <a:spcPts val="0"/>
+              </a:spcAft>
+              <a:buClr>
+                <a:srgbClr val="FFFFFF"/>
+              </a:buClr>
+              <a:buSzPts val="1400"/>
+              <a:buChar char="●"/>
+            </a:pPr>
+            <a:r>
+              <a:rPr lang="en">
+                <a:solidFill>
+                  <a:srgbClr val="FFFFFF"/>
+                </a:solidFill>
+              </a:rPr>
+              <a:t>C</a:t>
+            </a:r>
+            <a:r>
+              <a:rPr lang="en">
+                <a:solidFill>
+                  <a:srgbClr val="FFFFFF"/>
+                </a:solidFill>
+              </a:rPr>
+              <a:t>ontent-selection with continuous </a:t>
+            </a:r>
+            <a:r>
+              <a:rPr lang="en">
+                <a:solidFill>
+                  <a:srgbClr val="FFFFFF"/>
+                </a:solidFill>
+              </a:rPr>
+              <a:t>LexRank</a:t>
+            </a:r>
+            <a:br>
+              <a:rPr lang="en">
+                <a:solidFill>
+                  <a:srgbClr val="FFFFFF"/>
+                </a:solidFill>
+              </a:rPr>
+            </a:br>
+            <a:endParaRPr>
+              <a:solidFill>
+                <a:srgbClr val="FFFFFF"/>
+              </a:solidFill>
+            </a:endParaRPr>
+          </a:p>
+          <a:p>
+            <a:pPr indent="-317500" lvl="0" marL="457200" rtl="0">
+              <a:spcBef>
+                <a:spcPts val="0"/>
+              </a:spcBef>
+              <a:spcAft>
+                <a:spcPts val="0"/>
+              </a:spcAft>
+              <a:buClr>
+                <a:srgbClr val="FFFFFF"/>
+              </a:buClr>
+              <a:buSzPts val="1400"/>
+              <a:buChar char="●"/>
+            </a:pPr>
+            <a:r>
+              <a:rPr lang="en">
+                <a:solidFill>
+                  <a:srgbClr val="FFFFFF"/>
+                </a:solidFill>
+              </a:rPr>
+              <a:t>Information ordering with chronological order</a:t>
+            </a:r>
+            <a:br>
+              <a:rPr lang="en">
+                <a:solidFill>
+                  <a:srgbClr val="FFFFFF"/>
+                </a:solidFill>
+              </a:rPr>
+            </a:br>
+            <a:endParaRPr>
+              <a:solidFill>
+                <a:srgbClr val="FFFFFF"/>
+              </a:solidFill>
+            </a:endParaRPr>
+          </a:p>
+          <a:p>
+            <a:pPr indent="-317500" lvl="0" marL="457200" rtl="0">
+              <a:spcBef>
+                <a:spcPts val="0"/>
+              </a:spcBef>
+              <a:spcAft>
+                <a:spcPts val="0"/>
+              </a:spcAft>
+              <a:buClr>
+                <a:srgbClr val="FFFFFF"/>
+              </a:buClr>
+              <a:buSzPts val="1400"/>
+              <a:buChar char="●"/>
+            </a:pPr>
+            <a:r>
+              <a:rPr lang="en">
+                <a:solidFill>
+                  <a:srgbClr val="FFFFFF"/>
+                </a:solidFill>
+              </a:rPr>
+              <a:t>Improve ROUGE scores by incorporating MEAD framework</a:t>
+            </a:r>
+            <a:br>
+              <a:rPr lang="en">
+                <a:solidFill>
+                  <a:srgbClr val="FFFFFF"/>
+                </a:solidFill>
+              </a:rPr>
+            </a:br>
+            <a:endParaRPr>
+              <a:solidFill>
+                <a:srgbClr val="FFFFFF"/>
+              </a:solidFill>
+            </a:endParaRPr>
+          </a:p>
+          <a:p>
+            <a:pPr indent="-317500" lvl="0" marL="457200" rtl="0">
+              <a:spcBef>
+                <a:spcPts val="0"/>
+              </a:spcBef>
+              <a:spcAft>
+                <a:spcPts val="0"/>
+              </a:spcAft>
+              <a:buClr>
+                <a:srgbClr val="FFFFFF"/>
+              </a:buClr>
+              <a:buSzPts val="1400"/>
+              <a:buChar char="●"/>
+            </a:pPr>
+            <a:r>
+              <a:rPr lang="en">
+                <a:solidFill>
+                  <a:srgbClr val="FFFFFF"/>
+                </a:solidFill>
+              </a:rPr>
+              <a:t>Improve idf scores by extending document set to include all corpora</a:t>
+            </a:r>
+            <a:br>
+              <a:rPr lang="en">
+                <a:solidFill>
+                  <a:srgbClr val="FFFFFF"/>
+                </a:solidFill>
+              </a:rPr>
+            </a:br>
+            <a:endParaRPr>
+              <a:solidFill>
+                <a:srgbClr val="FFFFFF"/>
+              </a:solidFill>
+            </a:endParaRPr>
+          </a:p>
+          <a:p>
+            <a:pPr indent="-317500" lvl="0" marL="457200" rtl="0">
+              <a:spcBef>
+                <a:spcPts val="0"/>
+              </a:spcBef>
+              <a:spcAft>
+                <a:spcPts val="0"/>
+              </a:spcAft>
+              <a:buClr>
+                <a:srgbClr val="FFFFFF"/>
+              </a:buClr>
+              <a:buSzPts val="1400"/>
+              <a:buChar char="●"/>
+            </a:pPr>
+            <a:r>
+              <a:rPr lang="en">
+                <a:solidFill>
+                  <a:schemeClr val="dk1"/>
+                </a:solidFill>
+              </a:rPr>
+              <a:t>Unit testing</a:t>
+            </a:r>
+            <a:endParaRPr>
+              <a:solidFill>
+                <a:srgbClr val="FFFFFF"/>
+              </a:solidFill>
+            </a:endParaRPr>
+          </a:p>
+          <a:p>
+            <a:pPr indent="0" lvl="0" marL="0">
+              <a:spcBef>
+                <a:spcPts val="1600"/>
+              </a:spcBef>
+              <a:spcAft>
+                <a:spcPts val="1600"/>
+              </a:spcAft>
+              <a:buNone/>
+            </a:pPr>
+            <a:r>
+              <a:t/>
+            </a:r>
+            <a:endParaRPr>
+              <a:solidFill>
+                <a:srgbClr val="FFFFFF"/>
+              </a:solidFill>
+            </a:endParaRPr>
+          </a:p>
+        </p:txBody>
+      </p:sp>
+    </p:spTree>
+  </p:cSld>
+  <p:clrMapOvr>
+    <a:masterClrMapping/>
+  </p:clrMapOvr>
+</p:sld>
+</file>
+
+<file path=ppt/slides/slide8.xml><?xml version="1.0" encoding="utf-8"?>
+<p:sld xmlns:a="http://schemas.openxmlformats.org/drawingml/2006/main" xmlns:r="http://schemas.openxmlformats.org/officeDocument/2006/relationships" xmlns:mc="http://schemas.openxmlformats.org/markup-compatibility/2006" xmlns:mv="urn:schemas-microsoft-com:mac:vml" xmlns:p="http://schemas.openxmlformats.org/presentationml/2006/main" xmlns:c="http://schemas.openxmlformats.org/drawingml/2006/chart" xmlns:dgm="http://schemas.openxmlformats.org/drawingml/2006/diagram" xmlns:o="urn:schemas-microsoft-com:office:office" xmlns:v="urn:schemas-microsoft-com:vml" xmlns:pvml="urn:schemas-microsoft-com:office:powerpoint" xmlns:com="http://schemas.openxmlformats.org/drawingml/2006/compatibility" xmlns:p14="http://schemas.microsoft.com/office/powerpoint/2010/main" xmlns:p15="http://schemas.microsoft.com/office/powerpoint/2012/main">
+  <p:cSld>
+    <p:spTree>
+      <p:nvGrpSpPr>
+        <p:cNvPr id="110" name="Shape 110"/>
+        <p:cNvGrpSpPr/>
+        <p:nvPr/>
+      </p:nvGrpSpPr>
+      <p:grpSpPr>
+        <a:xfrm>
+          <a:off x="0" y="0"/>
+          <a:ext cx="0" cy="0"/>
+          <a:chOff x="0" y="0"/>
+          <a:chExt cx="0" cy="0"/>
+        </a:xfrm>
+      </p:grpSpPr>
+      <p:sp>
+        <p:nvSpPr>
+          <p:cNvPr id="111" name="Shape 111"/>
+          <p:cNvSpPr txBox="1"/>
+          <p:nvPr>
+            <p:ph type="title"/>
+          </p:nvPr>
+        </p:nvSpPr>
+        <p:spPr>
+          <a:xfrm>
+            <a:off x="311700" y="445025"/>
+            <a:ext cx="8520600" cy="572700"/>
           </a:xfrm>
           <a:prstGeom prst="rect">
             <a:avLst/>
@@ -6479,12 +8223,13 @@
                 <a:spcPts val="0"/>
               </a:spcBef>
               <a:spcAft>
-                <a:spcPts val="1600"/>
+                <a:spcPts val="0"/>
               </a:spcAft>
               <a:buNone/>
             </a:pPr>
             <a:r>
-              <a:t/>
+              <a:rPr lang="en"/>
+              <a:t>Strategies for Groupwork</a:t>
             </a:r>
             <a:endParaRPr/>
           </a:p>
@@ -6492,16 +8237,16 @@
       </p:sp>
       <p:sp>
         <p:nvSpPr>
-          <p:cNvPr id="82" name="Shape 82"/>
+          <p:cNvPr id="112" name="Shape 112"/>
           <p:cNvSpPr txBox="1"/>
           <p:nvPr>
-            <p:ph idx="2" type="body"/>
+            <p:ph idx="1" type="body"/>
           </p:nvPr>
         </p:nvSpPr>
         <p:spPr>
           <a:xfrm>
-            <a:off x="4832400" y="1152475"/>
-            <a:ext cx="3999900" cy="3416400"/>
+            <a:off x="311700" y="1345975"/>
+            <a:ext cx="4723500" cy="3222900"/>
           </a:xfrm>
           <a:prstGeom prst="rect">
             <a:avLst/>
@@ -6518,14 +8263,374 @@
                 <a:spcPts val="0"/>
               </a:spcBef>
               <a:spcAft>
+                <a:spcPts val="0"/>
+              </a:spcAft>
+              <a:buNone/>
+            </a:pPr>
+            <a:r>
+              <a:rPr lang="en">
+                <a:solidFill>
+                  <a:srgbClr val="FFFFFF"/>
+                </a:solidFill>
+              </a:rPr>
+              <a:t>What worked</a:t>
+            </a:r>
+            <a:endParaRPr>
+              <a:solidFill>
+                <a:srgbClr val="FFFFFF"/>
+              </a:solidFill>
+            </a:endParaRPr>
+          </a:p>
+          <a:p>
+            <a:pPr indent="0" lvl="0" marL="0" rtl="0">
+              <a:spcBef>
                 <a:spcPts val="1600"/>
+              </a:spcBef>
+              <a:spcAft>
+                <a:spcPts val="0"/>
+              </a:spcAft>
+              <a:buNone/>
+            </a:pPr>
+            <a:r>
+              <a:rPr lang="en">
+                <a:solidFill>
+                  <a:srgbClr val="FFFFFF"/>
+                </a:solidFill>
+              </a:rPr>
+              <a:t>Agile Based </a:t>
+            </a:r>
+            <a:r>
+              <a:rPr lang="en">
+                <a:solidFill>
+                  <a:srgbClr val="FFFFFF"/>
+                </a:solidFill>
+              </a:rPr>
+              <a:t>Management</a:t>
+            </a:r>
+            <a:r>
+              <a:rPr lang="en">
+                <a:solidFill>
+                  <a:srgbClr val="FFFFFF"/>
+                </a:solidFill>
+              </a:rPr>
+              <a:t>:</a:t>
+            </a:r>
+            <a:endParaRPr>
+              <a:solidFill>
+                <a:srgbClr val="FFFFFF"/>
+              </a:solidFill>
+            </a:endParaRPr>
+          </a:p>
+          <a:p>
+            <a:pPr indent="-317500" lvl="0" marL="457200" rtl="0">
+              <a:spcBef>
+                <a:spcPts val="1600"/>
+              </a:spcBef>
+              <a:spcAft>
+                <a:spcPts val="0"/>
+              </a:spcAft>
+              <a:buClr>
+                <a:srgbClr val="FFFFFF"/>
+              </a:buClr>
+              <a:buSzPts val="1400"/>
+              <a:buChar char="●"/>
+            </a:pPr>
+            <a:r>
+              <a:rPr lang="en">
+                <a:solidFill>
+                  <a:srgbClr val="FFFFFF"/>
+                </a:solidFill>
+              </a:rPr>
+              <a:t>Flexible deadlines</a:t>
+            </a:r>
+            <a:endParaRPr>
+              <a:solidFill>
+                <a:srgbClr val="FFFFFF"/>
+              </a:solidFill>
+            </a:endParaRPr>
+          </a:p>
+          <a:p>
+            <a:pPr indent="-317500" lvl="0" marL="457200" rtl="0">
+              <a:spcBef>
+                <a:spcPts val="0"/>
+              </a:spcBef>
+              <a:spcAft>
+                <a:spcPts val="0"/>
+              </a:spcAft>
+              <a:buClr>
+                <a:srgbClr val="FFFFFF"/>
+              </a:buClr>
+              <a:buSzPts val="1400"/>
+              <a:buChar char="●"/>
+            </a:pPr>
+            <a:r>
+              <a:rPr lang="en">
+                <a:solidFill>
+                  <a:srgbClr val="FFFFFF"/>
+                </a:solidFill>
+              </a:rPr>
+              <a:t>Weekly Standups for half hour after class Tuesdays and Thursdays</a:t>
+            </a:r>
+            <a:endParaRPr>
+              <a:solidFill>
+                <a:srgbClr val="FFFFFF"/>
+              </a:solidFill>
+            </a:endParaRPr>
+          </a:p>
+          <a:p>
+            <a:pPr indent="-317500" lvl="0" marL="457200" rtl="0">
+              <a:spcBef>
+                <a:spcPts val="0"/>
+              </a:spcBef>
+              <a:spcAft>
+                <a:spcPts val="0"/>
+              </a:spcAft>
+              <a:buClr>
+                <a:srgbClr val="FFFFFF"/>
+              </a:buClr>
+              <a:buSzPts val="1400"/>
+              <a:buChar char="●"/>
+            </a:pPr>
+            <a:r>
+              <a:rPr lang="en">
+                <a:solidFill>
+                  <a:srgbClr val="FFFFFF"/>
+                </a:solidFill>
+              </a:rPr>
+              <a:t>Group meetings every Sunday</a:t>
+            </a:r>
+            <a:endParaRPr>
+              <a:solidFill>
+                <a:srgbClr val="FFFFFF"/>
+              </a:solidFill>
+            </a:endParaRPr>
+          </a:p>
+          <a:p>
+            <a:pPr indent="-317500" lvl="0" marL="457200" rtl="0">
+              <a:spcBef>
+                <a:spcPts val="0"/>
+              </a:spcBef>
+              <a:spcAft>
+                <a:spcPts val="0"/>
+              </a:spcAft>
+              <a:buClr>
+                <a:srgbClr val="FFFFFF"/>
+              </a:buClr>
+              <a:buSzPts val="1400"/>
+              <a:buChar char="●"/>
+            </a:pPr>
+            <a:r>
+              <a:rPr lang="en">
+                <a:solidFill>
+                  <a:srgbClr val="FFFFFF"/>
+                </a:solidFill>
+              </a:rPr>
+              <a:t>Group chat on Slack</a:t>
+            </a:r>
+            <a:endParaRPr>
+              <a:solidFill>
+                <a:srgbClr val="FFFFFF"/>
+              </a:solidFill>
+            </a:endParaRPr>
+          </a:p>
+          <a:p>
+            <a:pPr indent="0" lvl="0" marL="0" rtl="0">
+              <a:spcBef>
+                <a:spcPts val="0"/>
+              </a:spcBef>
+              <a:spcAft>
+                <a:spcPts val="0"/>
               </a:spcAft>
               <a:buNone/>
             </a:pPr>
             <a:r>
               <a:t/>
             </a:r>
-            <a:endParaRPr/>
+            <a:endParaRPr>
+              <a:solidFill>
+                <a:srgbClr val="FFFFFF"/>
+              </a:solidFill>
+            </a:endParaRPr>
+          </a:p>
+          <a:p>
+            <a:pPr indent="0" lvl="0" marL="0" rtl="0">
+              <a:spcBef>
+                <a:spcPts val="0"/>
+              </a:spcBef>
+              <a:spcAft>
+                <a:spcPts val="0"/>
+              </a:spcAft>
+              <a:buNone/>
+            </a:pPr>
+            <a:r>
+              <a:rPr lang="en">
+                <a:solidFill>
+                  <a:srgbClr val="FFFFFF"/>
+                </a:solidFill>
+              </a:rPr>
+              <a:t>Collaborative environment: Github</a:t>
+            </a:r>
+            <a:endParaRPr>
+              <a:solidFill>
+                <a:srgbClr val="FFFFFF"/>
+              </a:solidFill>
+            </a:endParaRPr>
+          </a:p>
+          <a:p>
+            <a:pPr indent="0" lvl="0" marL="0" rtl="0">
+              <a:spcBef>
+                <a:spcPts val="1600"/>
+              </a:spcBef>
+              <a:spcAft>
+                <a:spcPts val="1600"/>
+              </a:spcAft>
+              <a:buNone/>
+            </a:pPr>
+            <a:r>
+              <a:rPr lang="en">
+                <a:solidFill>
+                  <a:srgbClr val="FFFFFF"/>
+                </a:solidFill>
+              </a:rPr>
+              <a:t>Rubberducking</a:t>
+            </a:r>
+            <a:endParaRPr>
+              <a:solidFill>
+                <a:srgbClr val="FFFFFF"/>
+              </a:solidFill>
+            </a:endParaRPr>
+          </a:p>
+        </p:txBody>
+      </p:sp>
+      <p:sp>
+        <p:nvSpPr>
+          <p:cNvPr id="113" name="Shape 113"/>
+          <p:cNvSpPr txBox="1"/>
+          <p:nvPr>
+            <p:ph idx="2" type="body"/>
+          </p:nvPr>
+        </p:nvSpPr>
+        <p:spPr>
+          <a:xfrm>
+            <a:off x="5203600" y="1345975"/>
+            <a:ext cx="3628800" cy="3222900"/>
+          </a:xfrm>
+          <a:prstGeom prst="rect">
+            <a:avLst/>
+          </a:prstGeom>
+        </p:spPr>
+        <p:txBody>
+          <a:bodyPr anchorCtr="0" anchor="t" bIns="91425" lIns="91425" spcFirstLastPara="1" rIns="91425" wrap="square" tIns="91425">
+            <a:noAutofit/>
+          </a:bodyPr>
+          <a:lstStyle/>
+          <a:p>
+            <a:pPr indent="0" lvl="0" marL="0">
+              <a:spcBef>
+                <a:spcPts val="0"/>
+              </a:spcBef>
+              <a:spcAft>
+                <a:spcPts val="0"/>
+              </a:spcAft>
+              <a:buNone/>
+            </a:pPr>
+            <a:r>
+              <a:rPr lang="en">
+                <a:solidFill>
+                  <a:srgbClr val="FFFFFF"/>
+                </a:solidFill>
+              </a:rPr>
+              <a:t>What we can improve on</a:t>
+            </a:r>
+            <a:endParaRPr>
+              <a:solidFill>
+                <a:srgbClr val="FFFFFF"/>
+              </a:solidFill>
+            </a:endParaRPr>
+          </a:p>
+          <a:p>
+            <a:pPr indent="-317500" lvl="0" marL="457200" rtl="0">
+              <a:spcBef>
+                <a:spcPts val="1600"/>
+              </a:spcBef>
+              <a:spcAft>
+                <a:spcPts val="0"/>
+              </a:spcAft>
+              <a:buClr>
+                <a:srgbClr val="FFFFFF"/>
+              </a:buClr>
+              <a:buSzPts val="1400"/>
+              <a:buChar char="●"/>
+            </a:pPr>
+            <a:r>
+              <a:rPr lang="en">
+                <a:solidFill>
+                  <a:srgbClr val="FFFFFF"/>
+                </a:solidFill>
+              </a:rPr>
+              <a:t>Pair programming</a:t>
+            </a:r>
+            <a:endParaRPr>
+              <a:solidFill>
+                <a:srgbClr val="FFFFFF"/>
+              </a:solidFill>
+            </a:endParaRPr>
+          </a:p>
+          <a:p>
+            <a:pPr indent="-317500" lvl="0" marL="457200" rtl="0">
+              <a:spcBef>
+                <a:spcPts val="0"/>
+              </a:spcBef>
+              <a:spcAft>
+                <a:spcPts val="0"/>
+              </a:spcAft>
+              <a:buClr>
+                <a:srgbClr val="FFFFFF"/>
+              </a:buClr>
+              <a:buSzPts val="1400"/>
+              <a:buChar char="●"/>
+            </a:pPr>
+            <a:r>
+              <a:rPr lang="en">
+                <a:solidFill>
+                  <a:srgbClr val="FFFFFF"/>
+                </a:solidFill>
+              </a:rPr>
+              <a:t>Code Review</a:t>
+            </a:r>
+            <a:endParaRPr>
+              <a:solidFill>
+                <a:srgbClr val="FFFFFF"/>
+              </a:solidFill>
+            </a:endParaRPr>
+          </a:p>
+          <a:p>
+            <a:pPr indent="-317500" lvl="0" marL="457200">
+              <a:spcBef>
+                <a:spcPts val="0"/>
+              </a:spcBef>
+              <a:spcAft>
+                <a:spcPts val="0"/>
+              </a:spcAft>
+              <a:buClr>
+                <a:srgbClr val="FFFFFF"/>
+              </a:buClr>
+              <a:buSzPts val="1400"/>
+              <a:buChar char="●"/>
+            </a:pPr>
+            <a:r>
+              <a:rPr lang="en">
+                <a:solidFill>
+                  <a:srgbClr val="FFFFFF"/>
+                </a:solidFill>
+              </a:rPr>
+              <a:t>Dividing up tasks</a:t>
+            </a:r>
+            <a:endParaRPr>
+              <a:solidFill>
+                <a:srgbClr val="FFFFFF"/>
+              </a:solidFill>
+            </a:endParaRPr>
           </a:p>
         </p:txBody>
       </p:sp>
@@ -6538,6 +8643,285 @@
 </file>
 
 <file path=ppt/theme/theme1.xml><?xml version="1.0" encoding="utf-8"?>
+<a:theme xmlns:a="http://schemas.openxmlformats.org/drawingml/2006/main" xmlns:r="http://schemas.openxmlformats.org/officeDocument/2006/relationships" name="Simple Dark">
+  <a:themeElements>
+    <a:clrScheme name="Simple Dark">
+      <a:dk1>
+        <a:srgbClr val="FFFFFF"/>
+      </a:dk1>
+      <a:lt1>
+        <a:srgbClr val="212121"/>
+      </a:lt1>
+      <a:dk2>
+        <a:srgbClr val="303030"/>
+      </a:dk2>
+      <a:lt2>
+        <a:srgbClr val="ADADAD"/>
+      </a:lt2>
+      <a:accent1>
+        <a:srgbClr val="009688"/>
+      </a:accent1>
+      <a:accent2>
+        <a:srgbClr val="EEEEEE"/>
+      </a:accent2>
+      <a:accent3>
+        <a:srgbClr val="78909C"/>
+      </a:accent3>
+      <a:accent4>
+        <a:srgbClr val="FFAB40"/>
+      </a:accent4>
+      <a:accent5>
+        <a:srgbClr val="4DD0E1"/>
+      </a:accent5>
+      <a:accent6>
+        <a:srgbClr val="EEFF41"/>
+      </a:accent6>
+      <a:hlink>
+        <a:srgbClr val="4DD0E1"/>
+      </a:hlink>
+      <a:folHlink>
+        <a:srgbClr val="4DD0E1"/>
+      </a:folHlink>
+    </a:clrScheme>
+    <a:fontScheme name="Office">
+      <a:majorFont>
+        <a:latin typeface="Arial"/>
+        <a:ea typeface=""/>
+        <a:cs typeface=""/>
+        <a:font script="Jpan" typeface="ＭＳ Ｐゴシック"/>
+        <a:font script="Hang" typeface="맑은 고딕"/>
+        <a:font script="Hans" typeface="宋体"/>
+        <a:font script="Hant" typeface="新細明體"/>
+        <a:font script="Arab" typeface="Times New Roman"/>
+        <a:font script="Hebr" typeface="Times New Roman"/>
+        <a:font script="Thai" typeface="Angsana New"/>
+        <a:font script="Ethi" typeface="Nyala"/>
+        <a:font script="Beng" typeface="Vrinda"/>
+        <a:font script="Gujr" typeface="Shruti"/>
+        <a:font script="Khmr" typeface="MoolBoran"/>
+        <a:font script="Knda" typeface="Tunga"/>
+        <a:font script="Guru" typeface="Raavi"/>
+        <a:font script="Cans" typeface="Euphemia"/>
+        <a:font script="Cher" typeface="Plantagenet Cherokee"/>
+        <a:font script="Yiii" typeface="Microsoft Yi Baiti"/>
+        <a:font script="Tibt" typeface="Microsoft Himalaya"/>
+        <a:font script="Thaa" typeface="MV Boli"/>
+        <a:font script="Deva" typeface="Mangal"/>
+        <a:font script="Telu" typeface="Gautami"/>
+        <a:font script="Taml" typeface="Latha"/>
+        <a:font script="Syrc" typeface="Estrangelo Edessa"/>
+        <a:font script="Orya" typeface="Kalinga"/>
+        <a:font script="Mlym" typeface="Kartika"/>
+        <a:font script="Laoo" typeface="DokChampa"/>
+        <a:font script="Sinh" typeface="Iskoola Pota"/>
+        <a:font script="Mong" typeface="Mongolian Baiti"/>
+        <a:font script="Viet" typeface="Times New Roman"/>
+        <a:font script="Uigh" typeface="Microsoft Uighur"/>
+        <a:font script="Geor" typeface="Sylfaen"/>
+      </a:majorFont>
+      <a:minorFont>
+        <a:latin typeface="Arial"/>
+        <a:ea typeface=""/>
+        <a:cs typeface=""/>
+        <a:font script="Jpan" typeface="ＭＳ Ｐゴシック"/>
+        <a:font script="Hang" typeface="맑은 고딕"/>
+        <a:font script="Hans" typeface="宋体"/>
+        <a:font script="Hant" typeface="新細明體"/>
+        <a:font script="Arab" typeface="Arial"/>
+        <a:font script="Hebr" typeface="Arial"/>
+        <a:font script="Thai" typeface="Cordia New"/>
+        <a:font script="Ethi" typeface="Nyala"/>
+        <a:font script="Beng" typeface="Vrinda"/>
+        <a:font script="Gujr" typeface="Shruti"/>
+        <a:font script="Khmr" typeface="DaunPenh"/>
+        <a:font script="Knda" typeface="Tunga"/>
+        <a:font script="Guru" typeface="Raavi"/>
+        <a:font script="Cans" typeface="Euphemia"/>
+        <a:font script="Cher" typeface="Plantagenet Cherokee"/>
+        <a:font script="Yiii" typeface="Microsoft Yi Baiti"/>
+        <a:font script="Tibt" typeface="Microsoft Himalaya"/>
+        <a:font script="Thaa" typeface="MV Boli"/>
+        <a:font script="Deva" typeface="Mangal"/>
+        <a:font script="Telu" typeface="Gautami"/>
+        <a:font script="Taml" typeface="Latha"/>
+        <a:font script="Syrc" typeface="Estrangelo Edessa"/>
+        <a:font script="Orya" typeface="Kalinga"/>
+        <a:font script="Mlym" typeface="Kartika"/>
+        <a:font script="Laoo" typeface="DokChampa"/>
+        <a:font script="Sinh" typeface="Iskoola Pota"/>
+        <a:font script="Mong" typeface="Mongolian Baiti"/>
+        <a:font script="Viet" typeface="Arial"/>
+        <a:font script="Uigh" typeface="Microsoft Uighur"/>
+        <a:font script="Geor" typeface="Sylfaen"/>
+      </a:minorFont>
+    </a:fontScheme>
+    <a:fmtScheme name="Office">
+      <a:fillStyleLst>
+        <a:solidFill>
+          <a:schemeClr val="phClr"/>
+        </a:solidFill>
+        <a:gradFill rotWithShape="1">
+          <a:gsLst>
+            <a:gs pos="0">
+              <a:schemeClr val="phClr">
+                <a:tint val="50000"/>
+                <a:satMod val="300000"/>
+              </a:schemeClr>
+            </a:gs>
+            <a:gs pos="35000">
+              <a:schemeClr val="phClr">
+                <a:tint val="37000"/>
+                <a:satMod val="300000"/>
+              </a:schemeClr>
+            </a:gs>
+            <a:gs pos="100000">
+              <a:schemeClr val="phClr">
+                <a:tint val="15000"/>
+                <a:satMod val="350000"/>
+              </a:schemeClr>
+            </a:gs>
+          </a:gsLst>
+          <a:lin ang="16200000" scaled="1"/>
+        </a:gradFill>
+        <a:gradFill rotWithShape="1">
+          <a:gsLst>
+            <a:gs pos="0">
+              <a:schemeClr val="phClr">
+                <a:tint val="100000"/>
+                <a:shade val="100000"/>
+                <a:satMod val="130000"/>
+              </a:schemeClr>
+            </a:gs>
+            <a:gs pos="100000">
+              <a:schemeClr val="phClr">
+                <a:tint val="50000"/>
+                <a:shade val="100000"/>
+                <a:satMod val="350000"/>
+              </a:schemeClr>
+            </a:gs>
+          </a:gsLst>
+          <a:lin ang="16200000" scaled="0"/>
+        </a:gradFill>
+      </a:fillStyleLst>
+      <a:lnStyleLst>
+        <a:ln w="9525" cap="flat" cmpd="sng" algn="ctr">
+          <a:solidFill>
+            <a:schemeClr val="phClr">
+              <a:shade val="95000"/>
+              <a:satMod val="105000"/>
+            </a:schemeClr>
+          </a:solidFill>
+          <a:prstDash val="solid"/>
+        </a:ln>
+        <a:ln w="25400" cap="flat" cmpd="sng" algn="ctr">
+          <a:solidFill>
+            <a:schemeClr val="phClr"/>
+          </a:solidFill>
+          <a:prstDash val="solid"/>
+        </a:ln>
+        <a:ln w="38100" cap="flat" cmpd="sng" algn="ctr">
+          <a:solidFill>
+            <a:schemeClr val="phClr"/>
+          </a:solidFill>
+          <a:prstDash val="solid"/>
+        </a:ln>
+      </a:lnStyleLst>
+      <a:effectStyleLst>
+        <a:effectStyle>
+          <a:effectLst>
+            <a:outerShdw blurRad="40000" dist="20000" dir="5400000" rotWithShape="0">
+              <a:srgbClr val="000000">
+                <a:alpha val="38000"/>
+              </a:srgbClr>
+            </a:outerShdw>
+          </a:effectLst>
+        </a:effectStyle>
+        <a:effectStyle>
+          <a:effectLst>
+            <a:outerShdw blurRad="40000" dist="23000" dir="5400000" rotWithShape="0">
+              <a:srgbClr val="000000">
+                <a:alpha val="35000"/>
+              </a:srgbClr>
+            </a:outerShdw>
+          </a:effectLst>
+        </a:effectStyle>
+        <a:effectStyle>
+          <a:effectLst>
+            <a:outerShdw blurRad="40000" dist="23000" dir="5400000" rotWithShape="0">
+              <a:srgbClr val="000000">
+                <a:alpha val="35000"/>
+              </a:srgbClr>
+            </a:outerShdw>
+          </a:effectLst>
+          <a:scene3d>
+            <a:camera prst="orthographicFront">
+              <a:rot lat="0" lon="0" rev="0"/>
+            </a:camera>
+            <a:lightRig rig="threePt" dir="t">
+              <a:rot lat="0" lon="0" rev="1200000"/>
+            </a:lightRig>
+          </a:scene3d>
+          <a:sp3d>
+            <a:bevelT w="63500" h="25400"/>
+          </a:sp3d>
+        </a:effectStyle>
+      </a:effectStyleLst>
+      <a:bgFillStyleLst>
+        <a:solidFill>
+          <a:schemeClr val="phClr"/>
+        </a:solidFill>
+        <a:gradFill rotWithShape="1">
+          <a:gsLst>
+            <a:gs pos="0">
+              <a:schemeClr val="phClr">
+                <a:tint val="40000"/>
+                <a:satMod val="350000"/>
+              </a:schemeClr>
+            </a:gs>
+            <a:gs pos="40000">
+              <a:schemeClr val="phClr">
+                <a:tint val="45000"/>
+                <a:shade val="99000"/>
+                <a:satMod val="350000"/>
+              </a:schemeClr>
+            </a:gs>
+            <a:gs pos="100000">
+              <a:schemeClr val="phClr">
+                <a:shade val="20000"/>
+                <a:satMod val="255000"/>
+              </a:schemeClr>
+            </a:gs>
+          </a:gsLst>
+          <a:path path="circle">
+            <a:fillToRect l="50000" t="-80000" r="50000" b="180000"/>
+          </a:path>
+        </a:gradFill>
+        <a:gradFill rotWithShape="1">
+          <a:gsLst>
+            <a:gs pos="0">
+              <a:schemeClr val="phClr">
+                <a:tint val="80000"/>
+                <a:satMod val="300000"/>
+              </a:schemeClr>
+            </a:gs>
+            <a:gs pos="100000">
+              <a:schemeClr val="phClr">
+                <a:shade val="30000"/>
+                <a:satMod val="200000"/>
+              </a:schemeClr>
+            </a:gs>
+          </a:gsLst>
+          <a:path path="circle">
+            <a:fillToRect l="50000" t="50000" r="50000" b="50000"/>
+          </a:path>
+        </a:gradFill>
+      </a:bgFillStyleLst>
+    </a:fmtScheme>
+  </a:themeElements>
+</a:theme>
+</file>
+
+<file path=ppt/theme/theme2.xml><?xml version="1.0" encoding="utf-8"?>
 <a:theme xmlns:a="http://schemas.openxmlformats.org/drawingml/2006/main" xmlns:r="http://schemas.openxmlformats.org/officeDocument/2006/relationships">
   <a:themeElements>
     <a:clrScheme name="Default">
@@ -6814,283 +9198,4 @@
     </a:fmtScheme>
   </a:themeElements>
 </a:theme>
-</file>
-
-<file path=ppt/theme/theme2.xml><?xml version="1.0" encoding="utf-8"?>
-<a:theme xmlns:a="http://schemas.openxmlformats.org/drawingml/2006/main" xmlns:r="http://schemas.openxmlformats.org/officeDocument/2006/relationships" name="Simple Dark">
-  <a:themeElements>
-    <a:clrScheme name="Simple Dark">
-      <a:dk1>
-        <a:srgbClr val="FFFFFF"/>
-      </a:dk1>
-      <a:lt1>
-        <a:srgbClr val="212121"/>
-      </a:lt1>
-      <a:dk2>
-        <a:srgbClr val="303030"/>
-      </a:dk2>
-      <a:lt2>
-        <a:srgbClr val="ADADAD"/>
-      </a:lt2>
-      <a:accent1>
-        <a:srgbClr val="009688"/>
-      </a:accent1>
-      <a:accent2>
-        <a:srgbClr val="EEEEEE"/>
-      </a:accent2>
-      <a:accent3>
-        <a:srgbClr val="78909C"/>
-      </a:accent3>
-      <a:accent4>
-        <a:srgbClr val="FFAB40"/>
-      </a:accent4>
-      <a:accent5>
-        <a:srgbClr val="4DD0E1"/>
-      </a:accent5>
-      <a:accent6>
-        <a:srgbClr val="EEFF41"/>
-      </a:accent6>
-      <a:hlink>
-        <a:srgbClr val="4DD0E1"/>
-      </a:hlink>
-      <a:folHlink>
-        <a:srgbClr val="4DD0E1"/>
-      </a:folHlink>
-    </a:clrScheme>
-    <a:fontScheme name="Office">
-      <a:majorFont>
-        <a:latin typeface="Arial"/>
-        <a:ea typeface=""/>
-        <a:cs typeface=""/>
-        <a:font script="Jpan" typeface="ＭＳ Ｐゴシック"/>
-        <a:font script="Hang" typeface="맑은 고딕"/>
-        <a:font script="Hans" typeface="宋体"/>
-        <a:font script="Hant" typeface="新細明體"/>
-        <a:font script="Arab" typeface="Times New Roman"/>
-        <a:font script="Hebr" typeface="Times New Roman"/>
-        <a:font script="Thai" typeface="Angsana New"/>
-        <a:font script="Ethi" typeface="Nyala"/>
-        <a:font script="Beng" typeface="Vrinda"/>
-        <a:font script="Gujr" typeface="Shruti"/>
-        <a:font script="Khmr" typeface="MoolBoran"/>
-        <a:font script="Knda" typeface="Tunga"/>
-        <a:font script="Guru" typeface="Raavi"/>
-        <a:font script="Cans" typeface="Euphemia"/>
-        <a:font script="Cher" typeface="Plantagenet Cherokee"/>
-        <a:font script="Yiii" typeface="Microsoft Yi Baiti"/>
-        <a:font script="Tibt" typeface="Microsoft Himalaya"/>
-        <a:font script="Thaa" typeface="MV Boli"/>
-        <a:font script="Deva" typeface="Mangal"/>
-        <a:font script="Telu" typeface="Gautami"/>
-        <a:font script="Taml" typeface="Latha"/>
-        <a:font script="Syrc" typeface="Estrangelo Edessa"/>
-        <a:font script="Orya" typeface="Kalinga"/>
-        <a:font script="Mlym" typeface="Kartika"/>
-        <a:font script="Laoo" typeface="DokChampa"/>
-        <a:font script="Sinh" typeface="Iskoola Pota"/>
-        <a:font script="Mong" typeface="Mongolian Baiti"/>
-        <a:font script="Viet" typeface="Times New Roman"/>
-        <a:font script="Uigh" typeface="Microsoft Uighur"/>
-        <a:font script="Geor" typeface="Sylfaen"/>
-      </a:majorFont>
-      <a:minorFont>
-        <a:latin typeface="Arial"/>
-        <a:ea typeface=""/>
-        <a:cs typeface=""/>
-        <a:font script="Jpan" typeface="ＭＳ Ｐゴシック"/>
-        <a:font script="Hang" typeface="맑은 고딕"/>
-        <a:font script="Hans" typeface="宋体"/>
-        <a:font script="Hant" typeface="新細明體"/>
-        <a:font script="Arab" typeface="Arial"/>
-        <a:font script="Hebr" typeface="Arial"/>
-        <a:font script="Thai" typeface="Cordia New"/>
-        <a:font script="Ethi" typeface="Nyala"/>
-        <a:font script="Beng" typeface="Vrinda"/>
-        <a:font script="Gujr" typeface="Shruti"/>
-        <a:font script="Khmr" typeface="DaunPenh"/>
-        <a:font script="Knda" typeface="Tunga"/>
-        <a:font script="Guru" typeface="Raavi"/>
-        <a:font script="Cans" typeface="Euphemia"/>
-        <a:font script="Cher" typeface="Plantagenet Cherokee"/>
-        <a:font script="Yiii" typeface="Microsoft Yi Baiti"/>
-        <a:font script="Tibt" typeface="Microsoft Himalaya"/>
-        <a:font script="Thaa" typeface="MV Boli"/>
-        <a:font script="Deva" typeface="Mangal"/>
-        <a:font script="Telu" typeface="Gautami"/>
-        <a:font script="Taml" typeface="Latha"/>
-        <a:font script="Syrc" typeface="Estrangelo Edessa"/>
-        <a:font script="Orya" typeface="Kalinga"/>
-        <a:font script="Mlym" typeface="Kartika"/>
-        <a:font script="Laoo" typeface="DokChampa"/>
-        <a:font script="Sinh" typeface="Iskoola Pota"/>
-        <a:font script="Mong" typeface="Mongolian Baiti"/>
-        <a:font script="Viet" typeface="Arial"/>
-        <a:font script="Uigh" typeface="Microsoft Uighur"/>
-        <a:font script="Geor" typeface="Sylfaen"/>
-      </a:minorFont>
-    </a:fontScheme>
-    <a:fmtScheme name="Office">
-      <a:fillStyleLst>
-        <a:solidFill>
-          <a:schemeClr val="phClr"/>
-        </a:solidFill>
-        <a:gradFill rotWithShape="1">
-          <a:gsLst>
-            <a:gs pos="0">
-              <a:schemeClr val="phClr">
-                <a:tint val="50000"/>
-                <a:satMod val="300000"/>
-              </a:schemeClr>
-            </a:gs>
-            <a:gs pos="35000">
-              <a:schemeClr val="phClr">
-                <a:tint val="37000"/>
-                <a:satMod val="300000"/>
-              </a:schemeClr>
-            </a:gs>
-            <a:gs pos="100000">
-              <a:schemeClr val="phClr">
-                <a:tint val="15000"/>
-                <a:satMod val="350000"/>
-              </a:schemeClr>
-            </a:gs>
-          </a:gsLst>
-          <a:lin ang="16200000" scaled="1"/>
-        </a:gradFill>
-        <a:gradFill rotWithShape="1">
-          <a:gsLst>
-            <a:gs pos="0">
-              <a:schemeClr val="phClr">
-                <a:tint val="100000"/>
-                <a:shade val="100000"/>
-                <a:satMod val="130000"/>
-              </a:schemeClr>
-            </a:gs>
-            <a:gs pos="100000">
-              <a:schemeClr val="phClr">
-                <a:tint val="50000"/>
-                <a:shade val="100000"/>
-                <a:satMod val="350000"/>
-              </a:schemeClr>
-            </a:gs>
-          </a:gsLst>
-          <a:lin ang="16200000" scaled="0"/>
-        </a:gradFill>
-      </a:fillStyleLst>
-      <a:lnStyleLst>
-        <a:ln w="9525" cap="flat" cmpd="sng" algn="ctr">
-          <a:solidFill>
-            <a:schemeClr val="phClr">
-              <a:shade val="95000"/>
-              <a:satMod val="105000"/>
-            </a:schemeClr>
-          </a:solidFill>
-          <a:prstDash val="solid"/>
-        </a:ln>
-        <a:ln w="25400" cap="flat" cmpd="sng" algn="ctr">
-          <a:solidFill>
-            <a:schemeClr val="phClr"/>
-          </a:solidFill>
-          <a:prstDash val="solid"/>
-        </a:ln>
-        <a:ln w="38100" cap="flat" cmpd="sng" algn="ctr">
-          <a:solidFill>
-            <a:schemeClr val="phClr"/>
-          </a:solidFill>
-          <a:prstDash val="solid"/>
-        </a:ln>
-      </a:lnStyleLst>
-      <a:effectStyleLst>
-        <a:effectStyle>
-          <a:effectLst>
-            <a:outerShdw blurRad="40000" dist="20000" dir="5400000" rotWithShape="0">
-              <a:srgbClr val="000000">
-                <a:alpha val="38000"/>
-              </a:srgbClr>
-            </a:outerShdw>
-          </a:effectLst>
-        </a:effectStyle>
-        <a:effectStyle>
-          <a:effectLst>
-            <a:outerShdw blurRad="40000" dist="23000" dir="5400000" rotWithShape="0">
-              <a:srgbClr val="000000">
-                <a:alpha val="35000"/>
-              </a:srgbClr>
-            </a:outerShdw>
-          </a:effectLst>
-        </a:effectStyle>
-        <a:effectStyle>
-          <a:effectLst>
-            <a:outerShdw blurRad="40000" dist="23000" dir="5400000" rotWithShape="0">
-              <a:srgbClr val="000000">
-                <a:alpha val="35000"/>
-              </a:srgbClr>
-            </a:outerShdw>
-          </a:effectLst>
-          <a:scene3d>
-            <a:camera prst="orthographicFront">
-              <a:rot lat="0" lon="0" rev="0"/>
-            </a:camera>
-            <a:lightRig rig="threePt" dir="t">
-              <a:rot lat="0" lon="0" rev="1200000"/>
-            </a:lightRig>
-          </a:scene3d>
-          <a:sp3d>
-            <a:bevelT w="63500" h="25400"/>
-          </a:sp3d>
-        </a:effectStyle>
-      </a:effectStyleLst>
-      <a:bgFillStyleLst>
-        <a:solidFill>
-          <a:schemeClr val="phClr"/>
-        </a:solidFill>
-        <a:gradFill rotWithShape="1">
-          <a:gsLst>
-            <a:gs pos="0">
-              <a:schemeClr val="phClr">
-                <a:tint val="40000"/>
-                <a:satMod val="350000"/>
-              </a:schemeClr>
-            </a:gs>
-            <a:gs pos="40000">
-              <a:schemeClr val="phClr">
-                <a:tint val="45000"/>
-                <a:shade val="99000"/>
-                <a:satMod val="350000"/>
-              </a:schemeClr>
-            </a:gs>
-            <a:gs pos="100000">
-              <a:schemeClr val="phClr">
-                <a:shade val="20000"/>
-                <a:satMod val="255000"/>
-              </a:schemeClr>
-            </a:gs>
-          </a:gsLst>
-          <a:path path="circle">
-            <a:fillToRect l="50000" t="-80000" r="50000" b="180000"/>
-          </a:path>
-        </a:gradFill>
-        <a:gradFill rotWithShape="1">
-          <a:gsLst>
-            <a:gs pos="0">
-              <a:schemeClr val="phClr">
-                <a:tint val="80000"/>
-                <a:satMod val="300000"/>
-              </a:schemeClr>
-            </a:gs>
-            <a:gs pos="100000">
-              <a:schemeClr val="phClr">
-                <a:shade val="30000"/>
-                <a:satMod val="200000"/>
-              </a:schemeClr>
-            </a:gs>
-          </a:gsLst>
-          <a:path path="circle">
-            <a:fillToRect l="50000" t="50000" r="50000" b="50000"/>
-          </a:path>
-        </a:gradFill>
-      </a:bgFillStyleLst>
-    </a:fmtScheme>
-  </a:themeElements>
-</a:theme>
 </file>